--- a/Presentation/LineXO/LineXO_Sang.pptx
+++ b/Presentation/LineXO/LineXO_Sang.pptx
@@ -265,7 +265,7 @@
           <a:p>
             <a:fld id="{1DEAD37C-0704-42ED-9B05-D48520E83AD7}" type="datetimeFigureOut">
               <a:rPr lang="en-US" smtClean="0"/>
-              <a:t>5/11/2019</a:t>
+              <a:t>5/15/2019</a:t>
             </a:fld>
             <a:endParaRPr lang="en-US"/>
           </a:p>
@@ -445,7 +445,7 @@
           <a:p>
             <a:fld id="{1DEAD37C-0704-42ED-9B05-D48520E83AD7}" type="datetimeFigureOut">
               <a:rPr lang="en-US" smtClean="0"/>
-              <a:t>5/11/2019</a:t>
+              <a:t>5/15/2019</a:t>
             </a:fld>
             <a:endParaRPr lang="en-US"/>
           </a:p>
@@ -635,7 +635,7 @@
           <a:p>
             <a:fld id="{1DEAD37C-0704-42ED-9B05-D48520E83AD7}" type="datetimeFigureOut">
               <a:rPr lang="en-US" smtClean="0"/>
-              <a:t>5/11/2019</a:t>
+              <a:t>5/15/2019</a:t>
             </a:fld>
             <a:endParaRPr lang="en-US"/>
           </a:p>
@@ -815,7 +815,7 @@
           <a:p>
             <a:fld id="{1DEAD37C-0704-42ED-9B05-D48520E83AD7}" type="datetimeFigureOut">
               <a:rPr lang="en-US" smtClean="0"/>
-              <a:t>5/11/2019</a:t>
+              <a:t>5/15/2019</a:t>
             </a:fld>
             <a:endParaRPr lang="en-US"/>
           </a:p>
@@ -1072,7 +1072,7 @@
           <a:p>
             <a:fld id="{1DEAD37C-0704-42ED-9B05-D48520E83AD7}" type="datetimeFigureOut">
               <a:rPr lang="en-US" smtClean="0"/>
-              <a:t>5/11/2019</a:t>
+              <a:t>5/15/2019</a:t>
             </a:fld>
             <a:endParaRPr lang="en-US"/>
           </a:p>
@@ -1313,7 +1313,7 @@
           <a:p>
             <a:fld id="{1DEAD37C-0704-42ED-9B05-D48520E83AD7}" type="datetimeFigureOut">
               <a:rPr lang="en-US" smtClean="0"/>
-              <a:t>5/11/2019</a:t>
+              <a:t>5/15/2019</a:t>
             </a:fld>
             <a:endParaRPr lang="en-US"/>
           </a:p>
@@ -1689,7 +1689,7 @@
           <a:p>
             <a:fld id="{1DEAD37C-0704-42ED-9B05-D48520E83AD7}" type="datetimeFigureOut">
               <a:rPr lang="en-US" smtClean="0"/>
-              <a:t>5/11/2019</a:t>
+              <a:t>5/15/2019</a:t>
             </a:fld>
             <a:endParaRPr lang="en-US"/>
           </a:p>
@@ -1818,7 +1818,7 @@
           <a:p>
             <a:fld id="{1DEAD37C-0704-42ED-9B05-D48520E83AD7}" type="datetimeFigureOut">
               <a:rPr lang="en-US" smtClean="0"/>
-              <a:t>5/11/2019</a:t>
+              <a:t>5/15/2019</a:t>
             </a:fld>
             <a:endParaRPr lang="en-US"/>
           </a:p>
@@ -1925,7 +1925,7 @@
           <a:p>
             <a:fld id="{1DEAD37C-0704-42ED-9B05-D48520E83AD7}" type="datetimeFigureOut">
               <a:rPr lang="en-US" smtClean="0"/>
-              <a:t>5/11/2019</a:t>
+              <a:t>5/15/2019</a:t>
             </a:fld>
             <a:endParaRPr lang="en-US"/>
           </a:p>
@@ -2212,7 +2212,7 @@
           <a:p>
             <a:fld id="{1DEAD37C-0704-42ED-9B05-D48520E83AD7}" type="datetimeFigureOut">
               <a:rPr lang="en-US" smtClean="0"/>
-              <a:t>5/11/2019</a:t>
+              <a:t>5/15/2019</a:t>
             </a:fld>
             <a:endParaRPr lang="en-US"/>
           </a:p>
@@ -2476,7 +2476,7 @@
           <a:p>
             <a:fld id="{1DEAD37C-0704-42ED-9B05-D48520E83AD7}" type="datetimeFigureOut">
               <a:rPr lang="en-US" smtClean="0"/>
-              <a:t>5/11/2019</a:t>
+              <a:t>5/15/2019</a:t>
             </a:fld>
             <a:endParaRPr lang="en-US"/>
           </a:p>
@@ -2699,7 +2699,7 @@
           <a:p>
             <a:fld id="{1DEAD37C-0704-42ED-9B05-D48520E83AD7}" type="datetimeFigureOut">
               <a:rPr lang="en-US" smtClean="0"/>
-              <a:t>5/11/2019</a:t>
+              <a:t>5/15/2019</a:t>
             </a:fld>
             <a:endParaRPr lang="en-US"/>
           </a:p>
@@ -3360,7 +3360,7 @@
           <p:cNvPr id="6" name="Picture 7">
             <a:extLst>
               <a:ext uri="{FF2B5EF4-FFF2-40B4-BE49-F238E27FC236}">
-                <a16:creationId xmlns:a16="http://schemas.microsoft.com/office/drawing/2014/main" id="{84BC0426-BCC9-4A35-A01E-00BA8E7B9966}"/>
+                <a16:creationId xmlns:a16="http://schemas.microsoft.com/office/drawing/2014/main" xmlns="" id="{84BC0426-BCC9-4A35-A01E-00BA8E7B9966}"/>
               </a:ext>
             </a:extLst>
           </p:cNvPr>
@@ -3377,7 +3377,7 @@
         </p:blipFill>
         <p:spPr>
           <a:xfrm>
-            <a:off x="4281488" y="1590675"/>
+            <a:off x="571933" y="1590675"/>
             <a:ext cx="3495675" cy="4114800"/>
           </a:xfrm>
           <a:prstGeom prst="rect">
@@ -3390,7 +3390,7 @@
           <p:cNvPr id="9" name="Picture 9">
             <a:extLst>
               <a:ext uri="{FF2B5EF4-FFF2-40B4-BE49-F238E27FC236}">
-                <a16:creationId xmlns:a16="http://schemas.microsoft.com/office/drawing/2014/main" id="{5F22713F-4CD1-4644-AE2D-8E78791EEE6B}"/>
+                <a16:creationId xmlns:a16="http://schemas.microsoft.com/office/drawing/2014/main" xmlns="" id="{5F22713F-4CD1-4644-AE2D-8E78791EEE6B}"/>
               </a:ext>
             </a:extLst>
           </p:cNvPr>
@@ -3420,7 +3420,7 @@
           <p:cNvPr id="11" name="Picture 11" descr="A close up of a logo&#10;&#10;Description generated with very high confidence">
             <a:extLst>
               <a:ext uri="{FF2B5EF4-FFF2-40B4-BE49-F238E27FC236}">
-                <a16:creationId xmlns:a16="http://schemas.microsoft.com/office/drawing/2014/main" id="{240C7377-1FCB-4713-8FE5-444145B051B8}"/>
+                <a16:creationId xmlns:a16="http://schemas.microsoft.com/office/drawing/2014/main" xmlns="" id="{240C7377-1FCB-4713-8FE5-444145B051B8}"/>
               </a:ext>
             </a:extLst>
           </p:cNvPr>
@@ -3437,7 +3437,7 @@
         </p:blipFill>
         <p:spPr>
           <a:xfrm>
-            <a:off x="461963" y="1590675"/>
+            <a:off x="4336473" y="1590675"/>
             <a:ext cx="3495675" cy="4114800"/>
           </a:xfrm>
           <a:prstGeom prst="rect">
@@ -3487,36 +3487,92 @@
           <a:chExt cx="0" cy="0"/>
         </a:xfrm>
       </p:grpSpPr>
-      <p:pic>
-        <p:nvPicPr>
-          <p:cNvPr id="6" name="Picture 7" descr="A close up of a device&#10;&#10;Description generated with high confidence">
-            <a:extLst>
-              <a:ext uri="{FF2B5EF4-FFF2-40B4-BE49-F238E27FC236}">
-                <a16:creationId xmlns:a16="http://schemas.microsoft.com/office/drawing/2014/main" id="{F345D137-4E75-4FD9-AF3C-BBD45C253AC5}"/>
-              </a:ext>
-            </a:extLst>
-          </p:cNvPr>
-          <p:cNvPicPr>
-            <a:picLocks noChangeAspect="1"/>
-          </p:cNvPicPr>
+      <p:grpSp>
+        <p:nvGrpSpPr>
+          <p:cNvPr id="4" name="Group 3"/>
+          <p:cNvGrpSpPr/>
           <p:nvPr/>
-        </p:nvPicPr>
-        <p:blipFill>
-          <a:blip r:embed="rId2"/>
-          <a:stretch>
-            <a:fillRect/>
-          </a:stretch>
-        </p:blipFill>
-        <p:spPr>
+        </p:nvGrpSpPr>
+        <p:grpSpPr>
           <a:xfrm>
-            <a:off x="2692400" y="993936"/>
+            <a:off x="2532742" y="1581257"/>
             <a:ext cx="7126514" cy="3447729"/>
+            <a:chOff x="2532743" y="1227966"/>
+            <a:chExt cx="7126514" cy="3447729"/>
           </a:xfrm>
-          <a:prstGeom prst="rect">
-            <a:avLst/>
-          </a:prstGeom>
-        </p:spPr>
-      </p:pic>
+        </p:grpSpPr>
+        <p:pic>
+          <p:nvPicPr>
+            <p:cNvPr id="2" name="Picture 2" descr="A group of people playing football on a field&#10;&#10;Description generated with very high confidence">
+              <a:extLst>
+                <a:ext uri="{FF2B5EF4-FFF2-40B4-BE49-F238E27FC236}">
+                  <a16:creationId xmlns:a16="http://schemas.microsoft.com/office/drawing/2014/main" xmlns="" id="{93C7779F-5930-45DB-A837-218C8687828E}"/>
+                </a:ext>
+              </a:extLst>
+            </p:cNvPr>
+            <p:cNvPicPr>
+              <a:picLocks noChangeAspect="1"/>
+            </p:cNvPicPr>
+            <p:nvPr/>
+          </p:nvPicPr>
+          <p:blipFill>
+            <a:blip r:embed="rId2"/>
+            <a:stretch>
+              <a:fillRect/>
+            </a:stretch>
+          </p:blipFill>
+          <p:spPr>
+            <a:xfrm>
+              <a:off x="2665605" y="1340428"/>
+              <a:ext cx="6530350" cy="3231572"/>
+            </a:xfrm>
+            <a:prstGeom prst="rect">
+              <a:avLst/>
+            </a:prstGeom>
+          </p:spPr>
+        </p:pic>
+        <p:pic>
+          <p:nvPicPr>
+            <p:cNvPr id="6" name="Picture 7" descr="A close up of a device&#10;&#10;Description generated with high confidence">
+              <a:extLst>
+                <a:ext uri="{FF2B5EF4-FFF2-40B4-BE49-F238E27FC236}">
+                  <a16:creationId xmlns:a16="http://schemas.microsoft.com/office/drawing/2014/main" xmlns="" id="{F345D137-4E75-4FD9-AF3C-BBD45C253AC5}"/>
+                </a:ext>
+              </a:extLst>
+            </p:cNvPr>
+            <p:cNvPicPr>
+              <a:picLocks noChangeAspect="1"/>
+            </p:cNvPicPr>
+            <p:nvPr/>
+          </p:nvPicPr>
+          <p:blipFill>
+            <a:blip r:embed="rId3">
+              <a:clrChange>
+                <a:clrFrom>
+                  <a:srgbClr val="FFFFFF"/>
+                </a:clrFrom>
+                <a:clrTo>
+                  <a:srgbClr val="FFFFFF">
+                    <a:alpha val="0"/>
+                  </a:srgbClr>
+                </a:clrTo>
+              </a:clrChange>
+            </a:blip>
+            <a:stretch>
+              <a:fillRect/>
+            </a:stretch>
+          </p:blipFill>
+          <p:spPr>
+            <a:xfrm>
+              <a:off x="2532743" y="1227966"/>
+              <a:ext cx="7126514" cy="3447729"/>
+            </a:xfrm>
+            <a:prstGeom prst="rect">
+              <a:avLst/>
+            </a:prstGeom>
+          </p:spPr>
+        </p:pic>
+      </p:grpSp>
       <p:sp>
         <p:nvSpPr>
           <p:cNvPr id="7" name="TextBox 6"/>
@@ -3552,42 +3608,12 @@
           </a:p>
         </p:txBody>
       </p:sp>
-      <p:pic>
-        <p:nvPicPr>
-          <p:cNvPr id="2" name="Picture 2" descr="A group of people playing football on a field&#10;&#10;Description generated with very high confidence">
-            <a:extLst>
-              <a:ext uri="{FF2B5EF4-FFF2-40B4-BE49-F238E27FC236}">
-                <a16:creationId xmlns:a16="http://schemas.microsoft.com/office/drawing/2014/main" id="{93C7779F-5930-45DB-A837-218C8687828E}"/>
-              </a:ext>
-            </a:extLst>
-          </p:cNvPr>
-          <p:cNvPicPr>
-            <a:picLocks noChangeAspect="1"/>
-          </p:cNvPicPr>
-          <p:nvPr/>
-        </p:nvPicPr>
-        <p:blipFill>
-          <a:blip r:embed="rId3"/>
-          <a:stretch>
-            <a:fillRect/>
-          </a:stretch>
-        </p:blipFill>
-        <p:spPr>
-          <a:xfrm>
-            <a:off x="2837543" y="1141421"/>
-            <a:ext cx="6502399" cy="3167274"/>
-          </a:xfrm>
-          <a:prstGeom prst="rect">
-            <a:avLst/>
-          </a:prstGeom>
-        </p:spPr>
-      </p:pic>
       <p:sp>
         <p:nvSpPr>
           <p:cNvPr id="10" name="Rectangle 9">
             <a:extLst>
               <a:ext uri="{FF2B5EF4-FFF2-40B4-BE49-F238E27FC236}">
-                <a16:creationId xmlns:a16="http://schemas.microsoft.com/office/drawing/2014/main" id="{2C5EC3C6-2743-4996-86C3-5B3B7192B691}"/>
+                <a16:creationId xmlns:a16="http://schemas.microsoft.com/office/drawing/2014/main" xmlns="" id="{2C5EC3C6-2743-4996-86C3-5B3B7192B691}"/>
               </a:ext>
             </a:extLst>
           </p:cNvPr>
@@ -3596,8 +3622,8 @@
         </p:nvSpPr>
         <p:spPr>
           <a:xfrm>
-            <a:off x="2333171" y="4987011"/>
-            <a:ext cx="8131629" cy="954107"/>
+            <a:off x="1415472" y="5371475"/>
+            <a:ext cx="9361055" cy="461665"/>
           </a:xfrm>
           <a:prstGeom prst="rect">
             <a:avLst/>
@@ -3704,184 +3730,111 @@
           </a:lstStyle>
           <a:p>
             <a:r>
-              <a:rPr lang="vi-VN" sz="2800" dirty="0" err="1">
+              <a:rPr lang="vi-VN" sz="2400" err="1">
                 <a:latin typeface="Arial"/>
                 <a:cs typeface="Arial"/>
               </a:rPr>
               <a:t>Cache</a:t>
             </a:r>
             <a:r>
-              <a:rPr lang="vi-VN" sz="2800" dirty="0">
-                <a:latin typeface="Arial"/>
-                <a:cs typeface="Arial"/>
-              </a:rPr>
-              <a:t> lưu thông tin </a:t>
-            </a:r>
-            <a:r>
-              <a:rPr lang="vi-VN" sz="2800" dirty="0" err="1">
-                <a:latin typeface="Arial"/>
-                <a:cs typeface="Arial"/>
-              </a:rPr>
-              <a:t>để</a:t>
-            </a:r>
-            <a:r>
-              <a:rPr lang="vi-VN" sz="2800" dirty="0">
+              <a:rPr lang="vi-VN" sz="2400">
                 <a:latin typeface="Arial"/>
                 <a:cs typeface="Arial"/>
               </a:rPr>
               <a:t> </a:t>
             </a:r>
             <a:r>
-              <a:rPr lang="vi-VN" sz="2800" dirty="0" err="1">
-                <a:latin typeface="Arial"/>
-                <a:cs typeface="Arial"/>
-              </a:rPr>
-              <a:t>biết</a:t>
-            </a:r>
-            <a:r>
-              <a:rPr lang="vi-VN" sz="2800" dirty="0">
+              <a:rPr lang="en-US" sz="2400" smtClean="0">
+                <a:latin typeface="Arial"/>
+                <a:cs typeface="Arial"/>
+              </a:rPr>
+              <a:t>giúp nhận biết </a:t>
+            </a:r>
+            <a:r>
+              <a:rPr lang="vi-VN" sz="2400" b="1" smtClean="0">
+                <a:latin typeface="Arial"/>
+                <a:cs typeface="Arial"/>
+              </a:rPr>
+              <a:t>lần </a:t>
+            </a:r>
+            <a:r>
+              <a:rPr lang="vi-VN" sz="2400" b="1" dirty="0" err="1">
+                <a:latin typeface="Arial"/>
+                <a:cs typeface="Arial"/>
+              </a:rPr>
+              <a:t>đầu</a:t>
+            </a:r>
+            <a:r>
+              <a:rPr lang="vi-VN" sz="2400" b="1" dirty="0">
                 <a:latin typeface="Arial"/>
                 <a:cs typeface="Arial"/>
               </a:rPr>
               <a:t> </a:t>
             </a:r>
             <a:r>
-              <a:rPr lang="vi-VN" sz="2800" b="1" dirty="0" err="1">
-                <a:latin typeface="Arial"/>
-                <a:cs typeface="Arial"/>
-              </a:rPr>
-              <a:t>lần</a:t>
-            </a:r>
-            <a:r>
-              <a:rPr lang="vi-VN" sz="2800" b="1" dirty="0">
+              <a:rPr lang="vi-VN" sz="2400" b="1" dirty="0" err="1">
+                <a:latin typeface="Arial"/>
+                <a:cs typeface="Arial"/>
+              </a:rPr>
+              <a:t>sử</a:t>
+            </a:r>
+            <a:r>
+              <a:rPr lang="vi-VN" sz="2400" b="1" dirty="0">
                 <a:latin typeface="Arial"/>
                 <a:cs typeface="Arial"/>
               </a:rPr>
               <a:t> </a:t>
             </a:r>
             <a:r>
-              <a:rPr lang="vi-VN" sz="2800" b="1" dirty="0" err="1">
-                <a:latin typeface="Arial"/>
-                <a:cs typeface="Arial"/>
-              </a:rPr>
-              <a:t>đầu</a:t>
-            </a:r>
-            <a:r>
-              <a:rPr lang="vi-VN" sz="2800" b="1" dirty="0">
+              <a:rPr lang="vi-VN" sz="2400" b="1" err="1">
+                <a:latin typeface="Arial"/>
+                <a:cs typeface="Arial"/>
+              </a:rPr>
+              <a:t>dụng</a:t>
+            </a:r>
+            <a:r>
+              <a:rPr lang="vi-VN" sz="2400" b="1">
                 <a:latin typeface="Arial"/>
                 <a:cs typeface="Arial"/>
               </a:rPr>
               <a:t> </a:t>
             </a:r>
             <a:r>
-              <a:rPr lang="vi-VN" sz="2800" b="1" dirty="0" err="1">
-                <a:latin typeface="Arial"/>
-                <a:cs typeface="Arial"/>
-              </a:rPr>
-              <a:t>sử</a:t>
-            </a:r>
-            <a:r>
-              <a:rPr lang="vi-VN" sz="2800" b="1" dirty="0">
+              <a:rPr lang="vi-VN" sz="2400" b="1" smtClean="0">
+                <a:latin typeface="Arial"/>
+                <a:cs typeface="Arial"/>
+              </a:rPr>
+              <a:t>app</a:t>
+            </a:r>
+            <a:r>
+              <a:rPr lang="en-US" sz="2400">
                 <a:latin typeface="Arial"/>
                 <a:cs typeface="Arial"/>
               </a:rPr>
               <a:t> </a:t>
             </a:r>
             <a:r>
-              <a:rPr lang="vi-VN" sz="2800" b="1" dirty="0" err="1">
-                <a:latin typeface="Arial"/>
-                <a:cs typeface="Arial"/>
-              </a:rPr>
-              <a:t>dụng</a:t>
-            </a:r>
-            <a:r>
-              <a:rPr lang="vi-VN" sz="2800" b="1" dirty="0">
-                <a:latin typeface="Arial"/>
-                <a:cs typeface="Arial"/>
-              </a:rPr>
-              <a:t> </a:t>
-            </a:r>
-            <a:r>
-              <a:rPr lang="vi-VN" sz="2800" b="1" dirty="0" err="1">
-                <a:latin typeface="Arial"/>
-                <a:cs typeface="Arial"/>
-              </a:rPr>
-              <a:t>app</a:t>
-            </a:r>
-            <a:r>
-              <a:rPr lang="vi-VN" sz="2800" dirty="0">
-                <a:latin typeface="Arial"/>
-                <a:cs typeface="Arial"/>
-              </a:rPr>
-              <a:t> </a:t>
-            </a:r>
-            <a:endParaRPr lang="en-US"/>
-          </a:p>
-          <a:p>
-            <a:r>
-              <a:rPr lang="vi-VN" sz="2800" dirty="0" err="1">
-                <a:latin typeface="Arial"/>
-                <a:cs typeface="Arial"/>
-              </a:rPr>
-              <a:t>và</a:t>
-            </a:r>
-            <a:r>
-              <a:rPr lang="vi-VN" sz="2800" dirty="0">
-                <a:latin typeface="Arial"/>
-                <a:cs typeface="Arial"/>
-              </a:rPr>
-              <a:t> </a:t>
-            </a:r>
-            <a:r>
-              <a:rPr lang="vi-VN" sz="2800" dirty="0" err="1">
-                <a:latin typeface="Arial"/>
-                <a:cs typeface="Arial"/>
-              </a:rPr>
-              <a:t>hiển</a:t>
-            </a:r>
-            <a:r>
-              <a:rPr lang="vi-VN" sz="2800" dirty="0">
-                <a:latin typeface="Arial"/>
-                <a:cs typeface="Arial"/>
-              </a:rPr>
-              <a:t> </a:t>
-            </a:r>
-            <a:r>
-              <a:rPr lang="vi-VN" sz="2800" dirty="0" err="1">
-                <a:latin typeface="Arial"/>
-                <a:cs typeface="Arial"/>
-              </a:rPr>
-              <a:t>thị</a:t>
-            </a:r>
-            <a:r>
-              <a:rPr lang="vi-VN" sz="2800" dirty="0">
-                <a:latin typeface="Arial"/>
-                <a:cs typeface="Arial"/>
-              </a:rPr>
-              <a:t> </a:t>
-            </a:r>
-            <a:r>
-              <a:rPr lang="vi-VN" sz="2800" b="1" dirty="0" err="1">
-                <a:latin typeface="Arial"/>
-                <a:cs typeface="Arial"/>
-              </a:rPr>
-              <a:t>hướng</a:t>
-            </a:r>
-            <a:r>
-              <a:rPr lang="vi-VN" sz="2800" b="1" dirty="0">
-                <a:latin typeface="Arial"/>
-                <a:cs typeface="Arial"/>
-              </a:rPr>
-              <a:t> </a:t>
-            </a:r>
-            <a:r>
-              <a:rPr lang="vi-VN" sz="2800" b="1" dirty="0" err="1">
+              <a:rPr lang="en-US" sz="2400" smtClean="0">
+                <a:latin typeface="Arial"/>
+                <a:cs typeface="Arial"/>
+              </a:rPr>
+              <a:t>để hiển thị </a:t>
+            </a:r>
+            <a:r>
+              <a:rPr lang="vi-VN" sz="2400" b="1" smtClean="0">
+                <a:latin typeface="Arial"/>
+                <a:cs typeface="Arial"/>
+              </a:rPr>
+              <a:t>hướng </a:t>
+            </a:r>
+            <a:r>
+              <a:rPr lang="vi-VN" sz="2400" b="1" dirty="0" err="1">
                 <a:latin typeface="Arial"/>
                 <a:cs typeface="Arial"/>
               </a:rPr>
               <a:t>dẫn</a:t>
             </a:r>
-            <a:endParaRPr lang="vi-VN"/>
+            <a:endParaRPr lang="vi-VN" sz="2400"/>
           </a:p>
         </p:txBody>
       </p:sp>
@@ -3967,7 +3920,7 @@
           <p:cNvPr id="10" name="Rectangle 9">
             <a:extLst>
               <a:ext uri="{FF2B5EF4-FFF2-40B4-BE49-F238E27FC236}">
-                <a16:creationId xmlns:a16="http://schemas.microsoft.com/office/drawing/2014/main" id="{2C5EC3C6-2743-4996-86C3-5B3B7192B691}"/>
+                <a16:creationId xmlns:a16="http://schemas.microsoft.com/office/drawing/2014/main" xmlns="" id="{2C5EC3C6-2743-4996-86C3-5B3B7192B691}"/>
               </a:ext>
             </a:extLst>
           </p:cNvPr>
@@ -4163,7 +4116,7 @@
           <p:cNvPr id="3" name="Picture 2" descr="A screenshot of a cell phone&#10;&#10;Description generated with very high confidence">
             <a:extLst>
               <a:ext uri="{FF2B5EF4-FFF2-40B4-BE49-F238E27FC236}">
-                <a16:creationId xmlns:a16="http://schemas.microsoft.com/office/drawing/2014/main" id="{748F0F91-EFCE-4453-B238-14BD543E7E93}"/>
+                <a16:creationId xmlns:a16="http://schemas.microsoft.com/office/drawing/2014/main" xmlns="" id="{748F0F91-EFCE-4453-B238-14BD543E7E93}"/>
               </a:ext>
             </a:extLst>
           </p:cNvPr>
@@ -4204,13 +4157,13 @@
   <p:clrMapOvr>
     <a:masterClrMapping/>
   </p:clrMapOvr>
-  <mc:AlternateContent xmlns:mc="http://schemas.openxmlformats.org/markup-compatibility/2006">
-    <mc:Choice xmlns:p14="http://schemas.microsoft.com/office/powerpoint/2010/main" Requires="p14">
+  <mc:AlternateContent xmlns:mc="http://schemas.openxmlformats.org/markup-compatibility/2006" xmlns:p14="http://schemas.microsoft.com/office/powerpoint/2010/main">
+    <mc:Choice Requires="p14">
       <p:transition spd="med" p14:dur="700">
         <p:fade/>
       </p:transition>
     </mc:Choice>
-    <mc:Fallback>
+    <mc:Fallback xmlns="">
       <p:transition spd="med">
         <p:fade/>
       </p:transition>
@@ -4276,7 +4229,7 @@
           <p:cNvPr id="2" name="Rectangle 1">
             <a:extLst>
               <a:ext uri="{FF2B5EF4-FFF2-40B4-BE49-F238E27FC236}">
-                <a16:creationId xmlns:a16="http://schemas.microsoft.com/office/drawing/2014/main" id="{0700A66B-EB79-4AE9-8B2A-0E354BB25867}"/>
+                <a16:creationId xmlns:a16="http://schemas.microsoft.com/office/drawing/2014/main" xmlns="" id="{0700A66B-EB79-4AE9-8B2A-0E354BB25867}"/>
               </a:ext>
             </a:extLst>
           </p:cNvPr>
@@ -4495,7 +4448,7 @@
           <p:cNvPr id="4" name="Picture 4" descr="A screen shot of a computer&#10;&#10;Description generated with very high confidence">
             <a:extLst>
               <a:ext uri="{FF2B5EF4-FFF2-40B4-BE49-F238E27FC236}">
-                <a16:creationId xmlns:a16="http://schemas.microsoft.com/office/drawing/2014/main" id="{A189E90B-281A-462C-94B3-A654A18D384C}"/>
+                <a16:creationId xmlns:a16="http://schemas.microsoft.com/office/drawing/2014/main" xmlns="" id="{A189E90B-281A-462C-94B3-A654A18D384C}"/>
               </a:ext>
             </a:extLst>
           </p:cNvPr>
@@ -4525,7 +4478,7 @@
           <p:cNvPr id="6" name="Picture 7">
             <a:extLst>
               <a:ext uri="{FF2B5EF4-FFF2-40B4-BE49-F238E27FC236}">
-                <a16:creationId xmlns:a16="http://schemas.microsoft.com/office/drawing/2014/main" id="{826821EE-7EBD-4FF2-A207-54E0B02A06A0}"/>
+                <a16:creationId xmlns:a16="http://schemas.microsoft.com/office/drawing/2014/main" xmlns="" id="{826821EE-7EBD-4FF2-A207-54E0B02A06A0}"/>
               </a:ext>
             </a:extLst>
           </p:cNvPr>
@@ -4639,7 +4592,7 @@
           <p:cNvPr id="2" name="Rectangle 1">
             <a:extLst>
               <a:ext uri="{FF2B5EF4-FFF2-40B4-BE49-F238E27FC236}">
-                <a16:creationId xmlns:a16="http://schemas.microsoft.com/office/drawing/2014/main" id="{8AC715B8-C2C3-4783-9655-2DCD2FD69CE1}"/>
+                <a16:creationId xmlns:a16="http://schemas.microsoft.com/office/drawing/2014/main" xmlns="" id="{8AC715B8-C2C3-4783-9655-2DCD2FD69CE1}"/>
               </a:ext>
             </a:extLst>
           </p:cNvPr>
@@ -4829,7 +4782,7 @@
           <p:cNvPr id="4" name="Picture 4" descr="A close up of a logo&#10;&#10;Description generated with high confidence">
             <a:extLst>
               <a:ext uri="{FF2B5EF4-FFF2-40B4-BE49-F238E27FC236}">
-                <a16:creationId xmlns:a16="http://schemas.microsoft.com/office/drawing/2014/main" id="{EF45089F-278C-4A47-BA62-6C23D99B6D59}"/>
+                <a16:creationId xmlns:a16="http://schemas.microsoft.com/office/drawing/2014/main" xmlns="" id="{EF45089F-278C-4A47-BA62-6C23D99B6D59}"/>
               </a:ext>
             </a:extLst>
           </p:cNvPr>

--- a/Presentation/LineXO/LineXO_Sang.pptx
+++ b/Presentation/LineXO/LineXO_Sang.pptx
@@ -9,8 +9,11 @@
     <p:sldId id="281" r:id="rId3"/>
     <p:sldId id="282" r:id="rId4"/>
     <p:sldId id="289" r:id="rId5"/>
-    <p:sldId id="283" r:id="rId6"/>
-    <p:sldId id="284" r:id="rId7"/>
+    <p:sldId id="291" r:id="rId6"/>
+    <p:sldId id="283" r:id="rId7"/>
+    <p:sldId id="284" r:id="rId8"/>
+    <p:sldId id="292" r:id="rId9"/>
+    <p:sldId id="293" r:id="rId10"/>
   </p:sldIdLst>
   <p:sldSz cx="12192000" cy="6858000"/>
   <p:notesSz cx="6858000" cy="9144000"/>
@@ -131,7 +134,8 @@
 <file path=ppt/revisionInfo.xml><?xml version="1.0" encoding="utf-8"?>
 <p1510:revInfo xmlns:a="http://schemas.openxmlformats.org/drawingml/2006/main" xmlns:r="http://schemas.openxmlformats.org/officeDocument/2006/relationships" xmlns:p1510="http://schemas.microsoft.com/office/powerpoint/2015/10/main">
   <p1510:revLst>
-    <p1510:client id="{1B553A99-2EF4-43AC-A567-637D53F7AABB}" v="57" dt="2019-05-11T17:50:29.204"/>
+    <p1510:client id="{8E7FB565-D74C-CB2D-9BB6-88D8F838C601}" v="1" dt="2019-05-15T06:18:58.866"/>
+    <p1510:client id="{C60A35D4-C8AF-4680-82FA-AB871DDE3984}" v="2" dt="2019-05-15T04:01:56.846"/>
   </p1510:revLst>
 </p1510:revInfo>
 </file>
@@ -265,7 +269,7 @@
           <a:p>
             <a:fld id="{1DEAD37C-0704-42ED-9B05-D48520E83AD7}" type="datetimeFigureOut">
               <a:rPr lang="en-US" smtClean="0"/>
-              <a:t>5/15/2019</a:t>
+              <a:t>5/14/2019</a:t>
             </a:fld>
             <a:endParaRPr lang="en-US"/>
           </a:p>
@@ -445,7 +449,7 @@
           <a:p>
             <a:fld id="{1DEAD37C-0704-42ED-9B05-D48520E83AD7}" type="datetimeFigureOut">
               <a:rPr lang="en-US" smtClean="0"/>
-              <a:t>5/15/2019</a:t>
+              <a:t>5/14/2019</a:t>
             </a:fld>
             <a:endParaRPr lang="en-US"/>
           </a:p>
@@ -635,7 +639,7 @@
           <a:p>
             <a:fld id="{1DEAD37C-0704-42ED-9B05-D48520E83AD7}" type="datetimeFigureOut">
               <a:rPr lang="en-US" smtClean="0"/>
-              <a:t>5/15/2019</a:t>
+              <a:t>5/14/2019</a:t>
             </a:fld>
             <a:endParaRPr lang="en-US"/>
           </a:p>
@@ -815,7 +819,7 @@
           <a:p>
             <a:fld id="{1DEAD37C-0704-42ED-9B05-D48520E83AD7}" type="datetimeFigureOut">
               <a:rPr lang="en-US" smtClean="0"/>
-              <a:t>5/15/2019</a:t>
+              <a:t>5/14/2019</a:t>
             </a:fld>
             <a:endParaRPr lang="en-US"/>
           </a:p>
@@ -1072,7 +1076,7 @@
           <a:p>
             <a:fld id="{1DEAD37C-0704-42ED-9B05-D48520E83AD7}" type="datetimeFigureOut">
               <a:rPr lang="en-US" smtClean="0"/>
-              <a:t>5/15/2019</a:t>
+              <a:t>5/14/2019</a:t>
             </a:fld>
             <a:endParaRPr lang="en-US"/>
           </a:p>
@@ -1313,7 +1317,7 @@
           <a:p>
             <a:fld id="{1DEAD37C-0704-42ED-9B05-D48520E83AD7}" type="datetimeFigureOut">
               <a:rPr lang="en-US" smtClean="0"/>
-              <a:t>5/15/2019</a:t>
+              <a:t>5/14/2019</a:t>
             </a:fld>
             <a:endParaRPr lang="en-US"/>
           </a:p>
@@ -1689,7 +1693,7 @@
           <a:p>
             <a:fld id="{1DEAD37C-0704-42ED-9B05-D48520E83AD7}" type="datetimeFigureOut">
               <a:rPr lang="en-US" smtClean="0"/>
-              <a:t>5/15/2019</a:t>
+              <a:t>5/14/2019</a:t>
             </a:fld>
             <a:endParaRPr lang="en-US"/>
           </a:p>
@@ -1818,7 +1822,7 @@
           <a:p>
             <a:fld id="{1DEAD37C-0704-42ED-9B05-D48520E83AD7}" type="datetimeFigureOut">
               <a:rPr lang="en-US" smtClean="0"/>
-              <a:t>5/15/2019</a:t>
+              <a:t>5/14/2019</a:t>
             </a:fld>
             <a:endParaRPr lang="en-US"/>
           </a:p>
@@ -1925,7 +1929,7 @@
           <a:p>
             <a:fld id="{1DEAD37C-0704-42ED-9B05-D48520E83AD7}" type="datetimeFigureOut">
               <a:rPr lang="en-US" smtClean="0"/>
-              <a:t>5/15/2019</a:t>
+              <a:t>5/14/2019</a:t>
             </a:fld>
             <a:endParaRPr lang="en-US"/>
           </a:p>
@@ -2212,7 +2216,7 @@
           <a:p>
             <a:fld id="{1DEAD37C-0704-42ED-9B05-D48520E83AD7}" type="datetimeFigureOut">
               <a:rPr lang="en-US" smtClean="0"/>
-              <a:t>5/15/2019</a:t>
+              <a:t>5/14/2019</a:t>
             </a:fld>
             <a:endParaRPr lang="en-US"/>
           </a:p>
@@ -2476,7 +2480,7 @@
           <a:p>
             <a:fld id="{1DEAD37C-0704-42ED-9B05-D48520E83AD7}" type="datetimeFigureOut">
               <a:rPr lang="en-US" smtClean="0"/>
-              <a:t>5/15/2019</a:t>
+              <a:t>5/14/2019</a:t>
             </a:fld>
             <a:endParaRPr lang="en-US"/>
           </a:p>
@@ -2699,7 +2703,7 @@
           <a:p>
             <a:fld id="{1DEAD37C-0704-42ED-9B05-D48520E83AD7}" type="datetimeFigureOut">
               <a:rPr lang="en-US" smtClean="0"/>
-              <a:t>5/15/2019</a:t>
+              <a:t>5/14/2019</a:t>
             </a:fld>
             <a:endParaRPr lang="en-US"/>
           </a:p>
@@ -3360,7 +3364,7 @@
           <p:cNvPr id="6" name="Picture 7">
             <a:extLst>
               <a:ext uri="{FF2B5EF4-FFF2-40B4-BE49-F238E27FC236}">
-                <a16:creationId xmlns:a16="http://schemas.microsoft.com/office/drawing/2014/main" xmlns="" id="{84BC0426-BCC9-4A35-A01E-00BA8E7B9966}"/>
+                <a16:creationId xmlns:a16="http://schemas.microsoft.com/office/drawing/2014/main" id="{84BC0426-BCC9-4A35-A01E-00BA8E7B9966}"/>
               </a:ext>
             </a:extLst>
           </p:cNvPr>
@@ -3377,7 +3381,7 @@
         </p:blipFill>
         <p:spPr>
           <a:xfrm>
-            <a:off x="571933" y="1590675"/>
+            <a:off x="4281488" y="1590675"/>
             <a:ext cx="3495675" cy="4114800"/>
           </a:xfrm>
           <a:prstGeom prst="rect">
@@ -3390,7 +3394,7 @@
           <p:cNvPr id="9" name="Picture 9">
             <a:extLst>
               <a:ext uri="{FF2B5EF4-FFF2-40B4-BE49-F238E27FC236}">
-                <a16:creationId xmlns:a16="http://schemas.microsoft.com/office/drawing/2014/main" xmlns="" id="{5F22713F-4CD1-4644-AE2D-8E78791EEE6B}"/>
+                <a16:creationId xmlns:a16="http://schemas.microsoft.com/office/drawing/2014/main" id="{5F22713F-4CD1-4644-AE2D-8E78791EEE6B}"/>
               </a:ext>
             </a:extLst>
           </p:cNvPr>
@@ -3420,7 +3424,7 @@
           <p:cNvPr id="11" name="Picture 11" descr="A close up of a logo&#10;&#10;Description generated with very high confidence">
             <a:extLst>
               <a:ext uri="{FF2B5EF4-FFF2-40B4-BE49-F238E27FC236}">
-                <a16:creationId xmlns:a16="http://schemas.microsoft.com/office/drawing/2014/main" xmlns="" id="{240C7377-1FCB-4713-8FE5-444145B051B8}"/>
+                <a16:creationId xmlns:a16="http://schemas.microsoft.com/office/drawing/2014/main" id="{240C7377-1FCB-4713-8FE5-444145B051B8}"/>
               </a:ext>
             </a:extLst>
           </p:cNvPr>
@@ -3437,7 +3441,7 @@
         </p:blipFill>
         <p:spPr>
           <a:xfrm>
-            <a:off x="4336473" y="1590675"/>
+            <a:off x="461963" y="1590675"/>
             <a:ext cx="3495675" cy="4114800"/>
           </a:xfrm>
           <a:prstGeom prst="rect">
@@ -3487,92 +3491,36 @@
           <a:chExt cx="0" cy="0"/>
         </a:xfrm>
       </p:grpSpPr>
-      <p:grpSp>
-        <p:nvGrpSpPr>
-          <p:cNvPr id="4" name="Group 3"/>
-          <p:cNvGrpSpPr/>
+      <p:pic>
+        <p:nvPicPr>
+          <p:cNvPr id="6" name="Picture 7" descr="A close up of a device&#10;&#10;Description generated with high confidence">
+            <a:extLst>
+              <a:ext uri="{FF2B5EF4-FFF2-40B4-BE49-F238E27FC236}">
+                <a16:creationId xmlns:a16="http://schemas.microsoft.com/office/drawing/2014/main" id="{F345D137-4E75-4FD9-AF3C-BBD45C253AC5}"/>
+              </a:ext>
+            </a:extLst>
+          </p:cNvPr>
+          <p:cNvPicPr>
+            <a:picLocks noChangeAspect="1"/>
+          </p:cNvPicPr>
           <p:nvPr/>
-        </p:nvGrpSpPr>
-        <p:grpSpPr>
+        </p:nvPicPr>
+        <p:blipFill>
+          <a:blip r:embed="rId2"/>
+          <a:stretch>
+            <a:fillRect/>
+          </a:stretch>
+        </p:blipFill>
+        <p:spPr>
           <a:xfrm>
-            <a:off x="2532742" y="1581257"/>
+            <a:off x="2692400" y="993936"/>
             <a:ext cx="7126514" cy="3447729"/>
-            <a:chOff x="2532743" y="1227966"/>
-            <a:chExt cx="7126514" cy="3447729"/>
           </a:xfrm>
-        </p:grpSpPr>
-        <p:pic>
-          <p:nvPicPr>
-            <p:cNvPr id="2" name="Picture 2" descr="A group of people playing football on a field&#10;&#10;Description generated with very high confidence">
-              <a:extLst>
-                <a:ext uri="{FF2B5EF4-FFF2-40B4-BE49-F238E27FC236}">
-                  <a16:creationId xmlns:a16="http://schemas.microsoft.com/office/drawing/2014/main" xmlns="" id="{93C7779F-5930-45DB-A837-218C8687828E}"/>
-                </a:ext>
-              </a:extLst>
-            </p:cNvPr>
-            <p:cNvPicPr>
-              <a:picLocks noChangeAspect="1"/>
-            </p:cNvPicPr>
-            <p:nvPr/>
-          </p:nvPicPr>
-          <p:blipFill>
-            <a:blip r:embed="rId2"/>
-            <a:stretch>
-              <a:fillRect/>
-            </a:stretch>
-          </p:blipFill>
-          <p:spPr>
-            <a:xfrm>
-              <a:off x="2665605" y="1340428"/>
-              <a:ext cx="6530350" cy="3231572"/>
-            </a:xfrm>
-            <a:prstGeom prst="rect">
-              <a:avLst/>
-            </a:prstGeom>
-          </p:spPr>
-        </p:pic>
-        <p:pic>
-          <p:nvPicPr>
-            <p:cNvPr id="6" name="Picture 7" descr="A close up of a device&#10;&#10;Description generated with high confidence">
-              <a:extLst>
-                <a:ext uri="{FF2B5EF4-FFF2-40B4-BE49-F238E27FC236}">
-                  <a16:creationId xmlns:a16="http://schemas.microsoft.com/office/drawing/2014/main" xmlns="" id="{F345D137-4E75-4FD9-AF3C-BBD45C253AC5}"/>
-                </a:ext>
-              </a:extLst>
-            </p:cNvPr>
-            <p:cNvPicPr>
-              <a:picLocks noChangeAspect="1"/>
-            </p:cNvPicPr>
-            <p:nvPr/>
-          </p:nvPicPr>
-          <p:blipFill>
-            <a:blip r:embed="rId3">
-              <a:clrChange>
-                <a:clrFrom>
-                  <a:srgbClr val="FFFFFF"/>
-                </a:clrFrom>
-                <a:clrTo>
-                  <a:srgbClr val="FFFFFF">
-                    <a:alpha val="0"/>
-                  </a:srgbClr>
-                </a:clrTo>
-              </a:clrChange>
-            </a:blip>
-            <a:stretch>
-              <a:fillRect/>
-            </a:stretch>
-          </p:blipFill>
-          <p:spPr>
-            <a:xfrm>
-              <a:off x="2532743" y="1227966"/>
-              <a:ext cx="7126514" cy="3447729"/>
-            </a:xfrm>
-            <a:prstGeom prst="rect">
-              <a:avLst/>
-            </a:prstGeom>
-          </p:spPr>
-        </p:pic>
-      </p:grpSp>
+          <a:prstGeom prst="rect">
+            <a:avLst/>
+          </a:prstGeom>
+        </p:spPr>
+      </p:pic>
       <p:sp>
         <p:nvSpPr>
           <p:cNvPr id="7" name="TextBox 6"/>
@@ -3608,12 +3556,42 @@
           </a:p>
         </p:txBody>
       </p:sp>
+      <p:pic>
+        <p:nvPicPr>
+          <p:cNvPr id="2" name="Picture 2" descr="A group of people playing football on a field&#10;&#10;Description generated with very high confidence">
+            <a:extLst>
+              <a:ext uri="{FF2B5EF4-FFF2-40B4-BE49-F238E27FC236}">
+                <a16:creationId xmlns:a16="http://schemas.microsoft.com/office/drawing/2014/main" id="{93C7779F-5930-45DB-A837-218C8687828E}"/>
+              </a:ext>
+            </a:extLst>
+          </p:cNvPr>
+          <p:cNvPicPr>
+            <a:picLocks noChangeAspect="1"/>
+          </p:cNvPicPr>
+          <p:nvPr/>
+        </p:nvPicPr>
+        <p:blipFill>
+          <a:blip r:embed="rId3"/>
+          <a:stretch>
+            <a:fillRect/>
+          </a:stretch>
+        </p:blipFill>
+        <p:spPr>
+          <a:xfrm>
+            <a:off x="2837543" y="1141421"/>
+            <a:ext cx="6502399" cy="3167274"/>
+          </a:xfrm>
+          <a:prstGeom prst="rect">
+            <a:avLst/>
+          </a:prstGeom>
+        </p:spPr>
+      </p:pic>
       <p:sp>
         <p:nvSpPr>
           <p:cNvPr id="10" name="Rectangle 9">
             <a:extLst>
               <a:ext uri="{FF2B5EF4-FFF2-40B4-BE49-F238E27FC236}">
-                <a16:creationId xmlns:a16="http://schemas.microsoft.com/office/drawing/2014/main" xmlns="" id="{2C5EC3C6-2743-4996-86C3-5B3B7192B691}"/>
+                <a16:creationId xmlns:a16="http://schemas.microsoft.com/office/drawing/2014/main" id="{2C5EC3C6-2743-4996-86C3-5B3B7192B691}"/>
               </a:ext>
             </a:extLst>
           </p:cNvPr>
@@ -3622,8 +3600,8 @@
         </p:nvSpPr>
         <p:spPr>
           <a:xfrm>
-            <a:off x="1415472" y="5371475"/>
-            <a:ext cx="9361055" cy="461665"/>
+            <a:off x="2333171" y="4987011"/>
+            <a:ext cx="8131629" cy="954107"/>
           </a:xfrm>
           <a:prstGeom prst="rect">
             <a:avLst/>
@@ -3730,111 +3708,184 @@
           </a:lstStyle>
           <a:p>
             <a:r>
-              <a:rPr lang="vi-VN" sz="2400" err="1">
+              <a:rPr lang="vi-VN" sz="2800" dirty="0" err="1">
                 <a:latin typeface="Arial"/>
                 <a:cs typeface="Arial"/>
               </a:rPr>
               <a:t>Cache</a:t>
             </a:r>
             <a:r>
-              <a:rPr lang="vi-VN" sz="2400">
+              <a:rPr lang="vi-VN" sz="2800" dirty="0">
+                <a:latin typeface="Arial"/>
+                <a:cs typeface="Arial"/>
+              </a:rPr>
+              <a:t> lưu thông tin </a:t>
+            </a:r>
+            <a:r>
+              <a:rPr lang="vi-VN" sz="2800" dirty="0" err="1">
+                <a:latin typeface="Arial"/>
+                <a:cs typeface="Arial"/>
+              </a:rPr>
+              <a:t>để</a:t>
+            </a:r>
+            <a:r>
+              <a:rPr lang="vi-VN" sz="2800" dirty="0">
                 <a:latin typeface="Arial"/>
                 <a:cs typeface="Arial"/>
               </a:rPr>
               <a:t> </a:t>
             </a:r>
             <a:r>
-              <a:rPr lang="en-US" sz="2400" smtClean="0">
-                <a:latin typeface="Arial"/>
-                <a:cs typeface="Arial"/>
-              </a:rPr>
-              <a:t>giúp nhận biết </a:t>
-            </a:r>
-            <a:r>
-              <a:rPr lang="vi-VN" sz="2400" b="1" smtClean="0">
-                <a:latin typeface="Arial"/>
-                <a:cs typeface="Arial"/>
-              </a:rPr>
-              <a:t>lần </a:t>
-            </a:r>
-            <a:r>
-              <a:rPr lang="vi-VN" sz="2400" b="1" dirty="0" err="1">
+              <a:rPr lang="vi-VN" sz="2800" dirty="0" err="1">
+                <a:latin typeface="Arial"/>
+                <a:cs typeface="Arial"/>
+              </a:rPr>
+              <a:t>biết</a:t>
+            </a:r>
+            <a:r>
+              <a:rPr lang="vi-VN" sz="2800" dirty="0">
+                <a:latin typeface="Arial"/>
+                <a:cs typeface="Arial"/>
+              </a:rPr>
+              <a:t> </a:t>
+            </a:r>
+            <a:r>
+              <a:rPr lang="vi-VN" sz="2800" b="1" dirty="0" err="1">
+                <a:latin typeface="Arial"/>
+                <a:cs typeface="Arial"/>
+              </a:rPr>
+              <a:t>lần</a:t>
+            </a:r>
+            <a:r>
+              <a:rPr lang="vi-VN" sz="2800" b="1" dirty="0">
+                <a:latin typeface="Arial"/>
+                <a:cs typeface="Arial"/>
+              </a:rPr>
+              <a:t> </a:t>
+            </a:r>
+            <a:r>
+              <a:rPr lang="vi-VN" sz="2800" b="1" dirty="0" err="1">
                 <a:latin typeface="Arial"/>
                 <a:cs typeface="Arial"/>
               </a:rPr>
               <a:t>đầu</a:t>
             </a:r>
             <a:r>
-              <a:rPr lang="vi-VN" sz="2400" b="1" dirty="0">
+              <a:rPr lang="vi-VN" sz="2800" b="1" dirty="0">
                 <a:latin typeface="Arial"/>
                 <a:cs typeface="Arial"/>
               </a:rPr>
               <a:t> </a:t>
             </a:r>
             <a:r>
-              <a:rPr lang="vi-VN" sz="2400" b="1" dirty="0" err="1">
+              <a:rPr lang="vi-VN" sz="2800" b="1" dirty="0" err="1">
                 <a:latin typeface="Arial"/>
                 <a:cs typeface="Arial"/>
               </a:rPr>
               <a:t>sử</a:t>
             </a:r>
             <a:r>
-              <a:rPr lang="vi-VN" sz="2400" b="1" dirty="0">
+              <a:rPr lang="vi-VN" sz="2800" b="1" dirty="0">
                 <a:latin typeface="Arial"/>
                 <a:cs typeface="Arial"/>
               </a:rPr>
               <a:t> </a:t>
             </a:r>
             <a:r>
-              <a:rPr lang="vi-VN" sz="2400" b="1" err="1">
+              <a:rPr lang="vi-VN" sz="2800" b="1" dirty="0" err="1">
                 <a:latin typeface="Arial"/>
                 <a:cs typeface="Arial"/>
               </a:rPr>
               <a:t>dụng</a:t>
             </a:r>
             <a:r>
-              <a:rPr lang="vi-VN" sz="2400" b="1">
+              <a:rPr lang="vi-VN" sz="2800" b="1" dirty="0">
                 <a:latin typeface="Arial"/>
                 <a:cs typeface="Arial"/>
               </a:rPr>
               <a:t> </a:t>
             </a:r>
             <a:r>
-              <a:rPr lang="vi-VN" sz="2400" b="1" smtClean="0">
+              <a:rPr lang="vi-VN" sz="2800" b="1" dirty="0" err="1">
                 <a:latin typeface="Arial"/>
                 <a:cs typeface="Arial"/>
               </a:rPr>
               <a:t>app</a:t>
             </a:r>
             <a:r>
-              <a:rPr lang="en-US" sz="2400">
+              <a:rPr lang="vi-VN" sz="2800" dirty="0">
                 <a:latin typeface="Arial"/>
                 <a:cs typeface="Arial"/>
               </a:rPr>
               <a:t> </a:t>
             </a:r>
-            <a:r>
-              <a:rPr lang="en-US" sz="2400" smtClean="0">
-                <a:latin typeface="Arial"/>
-                <a:cs typeface="Arial"/>
-              </a:rPr>
-              <a:t>để hiển thị </a:t>
-            </a:r>
-            <a:r>
-              <a:rPr lang="vi-VN" sz="2400" b="1" smtClean="0">
-                <a:latin typeface="Arial"/>
-                <a:cs typeface="Arial"/>
-              </a:rPr>
-              <a:t>hướng </a:t>
-            </a:r>
-            <a:r>
-              <a:rPr lang="vi-VN" sz="2400" b="1" dirty="0" err="1">
+            <a:endParaRPr lang="en-US"/>
+          </a:p>
+          <a:p>
+            <a:r>
+              <a:rPr lang="vi-VN" sz="2800" dirty="0" err="1">
+                <a:latin typeface="Arial"/>
+                <a:cs typeface="Arial"/>
+              </a:rPr>
+              <a:t>và</a:t>
+            </a:r>
+            <a:r>
+              <a:rPr lang="vi-VN" sz="2800" dirty="0">
+                <a:latin typeface="Arial"/>
+                <a:cs typeface="Arial"/>
+              </a:rPr>
+              <a:t> </a:t>
+            </a:r>
+            <a:r>
+              <a:rPr lang="vi-VN" sz="2800" dirty="0" err="1">
+                <a:latin typeface="Arial"/>
+                <a:cs typeface="Arial"/>
+              </a:rPr>
+              <a:t>hiển</a:t>
+            </a:r>
+            <a:r>
+              <a:rPr lang="vi-VN" sz="2800" dirty="0">
+                <a:latin typeface="Arial"/>
+                <a:cs typeface="Arial"/>
+              </a:rPr>
+              <a:t> </a:t>
+            </a:r>
+            <a:r>
+              <a:rPr lang="vi-VN" sz="2800" dirty="0" err="1">
+                <a:latin typeface="Arial"/>
+                <a:cs typeface="Arial"/>
+              </a:rPr>
+              <a:t>thị</a:t>
+            </a:r>
+            <a:r>
+              <a:rPr lang="vi-VN" sz="2800" dirty="0">
+                <a:latin typeface="Arial"/>
+                <a:cs typeface="Arial"/>
+              </a:rPr>
+              <a:t> </a:t>
+            </a:r>
+            <a:r>
+              <a:rPr lang="vi-VN" sz="2800" b="1" dirty="0" err="1">
+                <a:latin typeface="Arial"/>
+                <a:cs typeface="Arial"/>
+              </a:rPr>
+              <a:t>hướng</a:t>
+            </a:r>
+            <a:r>
+              <a:rPr lang="vi-VN" sz="2800" b="1" dirty="0">
+                <a:latin typeface="Arial"/>
+                <a:cs typeface="Arial"/>
+              </a:rPr>
+              <a:t> </a:t>
+            </a:r>
+            <a:r>
+              <a:rPr lang="vi-VN" sz="2800" b="1" dirty="0" err="1">
                 <a:latin typeface="Arial"/>
                 <a:cs typeface="Arial"/>
               </a:rPr>
               <a:t>dẫn</a:t>
             </a:r>
-            <a:endParaRPr lang="vi-VN" sz="2400"/>
+            <a:endParaRPr lang="vi-VN"/>
           </a:p>
         </p:txBody>
       </p:sp>
@@ -3920,7 +3971,7 @@
           <p:cNvPr id="10" name="Rectangle 9">
             <a:extLst>
               <a:ext uri="{FF2B5EF4-FFF2-40B4-BE49-F238E27FC236}">
-                <a16:creationId xmlns:a16="http://schemas.microsoft.com/office/drawing/2014/main" xmlns="" id="{2C5EC3C6-2743-4996-86C3-5B3B7192B691}"/>
+                <a16:creationId xmlns:a16="http://schemas.microsoft.com/office/drawing/2014/main" id="{2C5EC3C6-2743-4996-86C3-5B3B7192B691}"/>
               </a:ext>
             </a:extLst>
           </p:cNvPr>
@@ -4113,10 +4164,10 @@
       </p:sp>
       <p:pic>
         <p:nvPicPr>
-          <p:cNvPr id="3" name="Picture 2" descr="A screenshot of a cell phone&#10;&#10;Description generated with very high confidence">
+          <p:cNvPr id="5" name="Picture 7" descr="A close up of a device&#10;&#10;Description generated with high confidence">
             <a:extLst>
               <a:ext uri="{FF2B5EF4-FFF2-40B4-BE49-F238E27FC236}">
-                <a16:creationId xmlns:a16="http://schemas.microsoft.com/office/drawing/2014/main" xmlns="" id="{748F0F91-EFCE-4453-B238-14BD543E7E93}"/>
+                <a16:creationId xmlns:a16="http://schemas.microsoft.com/office/drawing/2014/main" id="{FA0DC66F-B0C5-4AE0-B44F-CD76A86CA700}"/>
               </a:ext>
             </a:extLst>
           </p:cNvPr>
@@ -4126,21 +4177,45 @@
           <p:nvPr/>
         </p:nvPicPr>
         <p:blipFill>
-          <a:blip r:embed="rId2" cstate="print">
+          <a:blip r:embed="rId2"/>
+          <a:stretch>
+            <a:fillRect/>
+          </a:stretch>
+        </p:blipFill>
+        <p:spPr>
+          <a:xfrm rot="16200000" flipH="1">
+            <a:off x="6239165" y="2213136"/>
+            <a:ext cx="5200733" cy="2741147"/>
+          </a:xfrm>
+          <a:prstGeom prst="rect">
+            <a:avLst/>
+          </a:prstGeom>
+        </p:spPr>
+      </p:pic>
+      <p:pic>
+        <p:nvPicPr>
+          <p:cNvPr id="2" name="Picture 3" descr="A screenshot of a cell phone&#10;&#10;Description generated with high confidence">
             <a:extLst>
-              <a:ext uri="{28A0092B-C50C-407E-A947-70E740481C1C}">
-                <a14:useLocalDpi xmlns:a14="http://schemas.microsoft.com/office/drawing/2010/main" val="0"/>
+              <a:ext uri="{FF2B5EF4-FFF2-40B4-BE49-F238E27FC236}">
+                <a16:creationId xmlns:a16="http://schemas.microsoft.com/office/drawing/2014/main" id="{DA8D8C24-04EE-40EE-9B8B-AAC47C0C4A4E}"/>
               </a:ext>
             </a:extLst>
-          </a:blip>
+          </p:cNvPr>
+          <p:cNvPicPr>
+            <a:picLocks noChangeAspect="1"/>
+          </p:cNvPicPr>
+          <p:nvPr/>
+        </p:nvPicPr>
+        <p:blipFill>
+          <a:blip r:embed="rId3"/>
           <a:stretch>
             <a:fillRect/>
           </a:stretch>
         </p:blipFill>
         <p:spPr>
           <a:xfrm>
-            <a:off x="7405007" y="745671"/>
-            <a:ext cx="2679700" cy="5359400"/>
+            <a:off x="7557220" y="1094508"/>
+            <a:ext cx="2577812" cy="4849091"/>
           </a:xfrm>
           <a:prstGeom prst="rect">
             <a:avLst/>
@@ -4198,7 +4273,7 @@
         <p:spPr>
           <a:xfrm>
             <a:off x="217714" y="159657"/>
-            <a:ext cx="1253869" cy="584775"/>
+            <a:ext cx="1414170" cy="584775"/>
           </a:xfrm>
           <a:prstGeom prst="rect">
             <a:avLst/>
@@ -4219,17 +4294,17 @@
                 <a:latin typeface="Arial" panose="020B0604020202020204" pitchFamily="34" charset="0"/>
                 <a:cs typeface="Arial" panose="020B0604020202020204" pitchFamily="34" charset="0"/>
               </a:rPr>
-              <a:t>Local</a:t>
-            </a:r>
-          </a:p>
-        </p:txBody>
-      </p:sp>
-      <p:sp>
-        <p:nvSpPr>
-          <p:cNvPr id="2" name="Rectangle 1">
+              <a:t>Cache</a:t>
+            </a:r>
+          </a:p>
+        </p:txBody>
+      </p:sp>
+      <p:sp>
+        <p:nvSpPr>
+          <p:cNvPr id="10" name="Rectangle 9">
             <a:extLst>
               <a:ext uri="{FF2B5EF4-FFF2-40B4-BE49-F238E27FC236}">
-                <a16:creationId xmlns:a16="http://schemas.microsoft.com/office/drawing/2014/main" xmlns="" id="{0700A66B-EB79-4AE9-8B2A-0E354BB25867}"/>
+                <a16:creationId xmlns:a16="http://schemas.microsoft.com/office/drawing/2014/main" id="{2C5EC3C6-2743-4996-86C3-5B3B7192B691}"/>
               </a:ext>
             </a:extLst>
           </p:cNvPr>
@@ -4238,8 +4313,8 @@
         </p:nvSpPr>
         <p:spPr>
           <a:xfrm>
-            <a:off x="1854199" y="2947753"/>
-            <a:ext cx="4328887" cy="954107"/>
+            <a:off x="1466271" y="3834443"/>
+            <a:ext cx="9358086" cy="2369880"/>
           </a:xfrm>
           <a:prstGeom prst="rect">
             <a:avLst/>
@@ -4346,109 +4421,98 @@
           </a:lstStyle>
           <a:p>
             <a:r>
+              <a:rPr lang="vi-VN" sz="3600" b="1">
+                <a:latin typeface="Arial"/>
+                <a:cs typeface="Arial"/>
+              </a:rPr>
+              <a:t>SharedPreferences</a:t>
+            </a:r>
+          </a:p>
+          <a:p>
+            <a:endParaRPr lang="vi-VN" sz="2800" b="1" dirty="0">
+              <a:latin typeface="Arial"/>
+              <a:cs typeface="Arial"/>
+            </a:endParaRPr>
+          </a:p>
+          <a:p>
+            <a:pPr marL="457200" indent="-457200">
+              <a:buFont typeface="Arial"/>
+              <a:buChar char="•"/>
+            </a:pPr>
+            <a:r>
+              <a:rPr lang="vi-VN" sz="2800">
+                <a:latin typeface="Arial"/>
+                <a:cs typeface="Arial"/>
+              </a:rPr>
+              <a:t>Lưu trữ dữ liệu dạng &lt;key, value&gt;</a:t>
+            </a:r>
+          </a:p>
+          <a:p>
+            <a:pPr marL="457200" indent="-457200">
+              <a:buFont typeface="Arial"/>
+              <a:buChar char="•"/>
+            </a:pPr>
+            <a:r>
+              <a:rPr lang="vi-VN" sz="2800">
+                <a:latin typeface="Arial"/>
+                <a:cs typeface="Arial"/>
+              </a:rPr>
+              <a:t>Thao tác qua các phương thức </a:t>
+            </a:r>
+            <a:r>
+              <a:rPr lang="vi-VN" sz="2800" b="1" i="1">
+                <a:latin typeface="Arial"/>
+                <a:cs typeface="Arial"/>
+              </a:rPr>
+              <a:t>get</a:t>
+            </a:r>
+            <a:r>
+              <a:rPr lang="vi-VN" sz="2800">
+                <a:latin typeface="Arial"/>
+                <a:cs typeface="Arial"/>
+              </a:rPr>
+              <a:t> từ Container </a:t>
+            </a:r>
+            <a:br>
               <a:rPr lang="vi-VN" sz="2800" dirty="0">
                 <a:latin typeface="Arial"/>
                 <a:cs typeface="Arial"/>
               </a:rPr>
-              <a:t>Lưu </a:t>
-            </a:r>
-            <a:r>
-              <a:rPr lang="vi-VN" sz="2800" dirty="0" err="1">
-                <a:latin typeface="Arial"/>
-                <a:cs typeface="Arial"/>
-              </a:rPr>
-              <a:t>dữ</a:t>
-            </a:r>
-            <a:r>
-              <a:rPr lang="vi-VN" sz="2800" dirty="0">
-                <a:latin typeface="Arial"/>
-                <a:cs typeface="Arial"/>
-              </a:rPr>
-              <a:t> </a:t>
-            </a:r>
-            <a:r>
-              <a:rPr lang="vi-VN" sz="2800" dirty="0" err="1">
-                <a:latin typeface="Arial"/>
-                <a:cs typeface="Arial"/>
-              </a:rPr>
-              <a:t>liệu</a:t>
-            </a:r>
-            <a:r>
-              <a:rPr lang="vi-VN" sz="2800" dirty="0">
-                <a:latin typeface="Arial"/>
-                <a:cs typeface="Arial"/>
-              </a:rPr>
-              <a:t> </a:t>
-            </a:r>
-            <a:r>
-              <a:rPr lang="vi-VN" sz="2800" b="1" dirty="0" err="1">
-                <a:latin typeface="Arial"/>
-                <a:cs typeface="Arial"/>
-              </a:rPr>
-              <a:t>offline</a:t>
-            </a:r>
-            <a:r>
-              <a:rPr lang="vi-VN" sz="2800" b="1" dirty="0">
-                <a:latin typeface="Arial"/>
-                <a:cs typeface="Arial"/>
-              </a:rPr>
-              <a:t> </a:t>
-            </a:r>
-            <a:endParaRPr lang="en-US" dirty="0"/>
-          </a:p>
-          <a:p>
-            <a:r>
-              <a:rPr lang="vi-VN" sz="2800" dirty="0">
-                <a:latin typeface="Arial"/>
-                <a:cs typeface="Arial"/>
-              </a:rPr>
-              <a:t>trên </a:t>
-            </a:r>
-            <a:r>
-              <a:rPr lang="vi-VN" sz="2800" dirty="0" err="1">
-                <a:latin typeface="Arial"/>
-                <a:cs typeface="Arial"/>
-              </a:rPr>
-              <a:t>máy</a:t>
-            </a:r>
-            <a:r>
-              <a:rPr lang="vi-VN" sz="2800" dirty="0">
-                <a:latin typeface="Arial"/>
-                <a:cs typeface="Arial"/>
-              </a:rPr>
-              <a:t> </a:t>
-            </a:r>
-            <a:r>
-              <a:rPr lang="vi-VN" sz="2800" dirty="0" err="1">
-                <a:latin typeface="Arial"/>
-                <a:cs typeface="Arial"/>
-              </a:rPr>
-              <a:t>người</a:t>
-            </a:r>
-            <a:r>
-              <a:rPr lang="vi-VN" sz="2800" dirty="0">
-                <a:latin typeface="Arial"/>
-                <a:cs typeface="Arial"/>
-              </a:rPr>
-              <a:t> </a:t>
-            </a:r>
-            <a:r>
-              <a:rPr lang="vi-VN" sz="2800" dirty="0" err="1">
-                <a:latin typeface="Arial"/>
-                <a:cs typeface="Arial"/>
-              </a:rPr>
-              <a:t>dùng</a:t>
-            </a:r>
-            <a:endParaRPr lang="vi-VN" err="1"/>
+            </a:br>
+            <a:r>
+              <a:rPr lang="vi-VN" sz="2800">
+                <a:latin typeface="Arial"/>
+                <a:cs typeface="Arial"/>
+              </a:rPr>
+              <a:t>và</a:t>
+            </a:r>
+            <a:r>
+              <a:rPr lang="vi-VN" sz="2800" b="1" i="1">
+                <a:latin typeface="Arial"/>
+                <a:cs typeface="Arial"/>
+              </a:rPr>
+              <a:t> put</a:t>
+            </a:r>
+            <a:r>
+              <a:rPr lang="vi-VN" sz="2800">
+                <a:latin typeface="Arial"/>
+                <a:cs typeface="Arial"/>
+              </a:rPr>
+              <a:t> thông qua Editor (putString, getLong, ...)</a:t>
+            </a:r>
+            <a:endParaRPr lang="vi-VN" sz="2800">
+              <a:latin typeface="Arial"/>
+              <a:cs typeface="Arial" panose="020B0604020202020204" pitchFamily="34" charset="0"/>
+            </a:endParaRPr>
           </a:p>
         </p:txBody>
       </p:sp>
       <p:pic>
         <p:nvPicPr>
-          <p:cNvPr id="4" name="Picture 4" descr="A screen shot of a computer&#10;&#10;Description generated with very high confidence">
+          <p:cNvPr id="3" name="Picture 3" descr="A screenshot of a cell phone&#10;&#10;Description generated with very high confidence">
             <a:extLst>
               <a:ext uri="{FF2B5EF4-FFF2-40B4-BE49-F238E27FC236}">
-                <a16:creationId xmlns:a16="http://schemas.microsoft.com/office/drawing/2014/main" xmlns="" id="{A189E90B-281A-462C-94B3-A654A18D384C}"/>
+                <a16:creationId xmlns:a16="http://schemas.microsoft.com/office/drawing/2014/main" id="{9ADDAA4F-FD35-47C8-888A-2480A113726C}"/>
               </a:ext>
             </a:extLst>
           </p:cNvPr>
@@ -4465,38 +4529,8 @@
         </p:blipFill>
         <p:spPr>
           <a:xfrm>
-            <a:off x="7338071" y="508000"/>
-            <a:ext cx="2900659" cy="5842000"/>
-          </a:xfrm>
-          <a:prstGeom prst="rect">
-            <a:avLst/>
-          </a:prstGeom>
-        </p:spPr>
-      </p:pic>
-      <p:pic>
-        <p:nvPicPr>
-          <p:cNvPr id="6" name="Picture 7">
-            <a:extLst>
-              <a:ext uri="{FF2B5EF4-FFF2-40B4-BE49-F238E27FC236}">
-                <a16:creationId xmlns:a16="http://schemas.microsoft.com/office/drawing/2014/main" xmlns="" id="{826821EE-7EBD-4FF2-A207-54E0B02A06A0}"/>
-              </a:ext>
-            </a:extLst>
-          </p:cNvPr>
-          <p:cNvPicPr>
-            <a:picLocks noChangeAspect="1"/>
-          </p:cNvPicPr>
-          <p:nvPr/>
-        </p:nvPicPr>
-        <p:blipFill>
-          <a:blip r:embed="rId3"/>
-          <a:stretch>
-            <a:fillRect/>
-          </a:stretch>
-        </p:blipFill>
-        <p:spPr>
-          <a:xfrm>
-            <a:off x="7598229" y="1277010"/>
-            <a:ext cx="580573" cy="581065"/>
+            <a:off x="1676402" y="743655"/>
+            <a:ext cx="8714507" cy="3043126"/>
           </a:xfrm>
           <a:prstGeom prst="rect">
             <a:avLst/>
@@ -4506,7 +4540,7 @@
     </p:spTree>
     <p:extLst>
       <p:ext uri="{BB962C8B-B14F-4D97-AF65-F5344CB8AC3E}">
-        <p14:creationId xmlns:p14="http://schemas.microsoft.com/office/powerpoint/2010/main" val="357836759"/>
+        <p14:creationId xmlns:p14="http://schemas.microsoft.com/office/powerpoint/2010/main" val="442613042"/>
       </p:ext>
     </p:extLst>
   </p:cSld>
@@ -4545,6 +4579,362 @@
           <a:chExt cx="0" cy="0"/>
         </a:xfrm>
       </p:grpSpPr>
+      <p:pic>
+        <p:nvPicPr>
+          <p:cNvPr id="11" name="Picture 7" descr="A close up of a device&#10;&#10;Description generated with high confidence">
+            <a:extLst>
+              <a:ext uri="{FF2B5EF4-FFF2-40B4-BE49-F238E27FC236}">
+                <a16:creationId xmlns:a16="http://schemas.microsoft.com/office/drawing/2014/main" id="{26D03592-CD81-4067-9962-27902C31D7A8}"/>
+              </a:ext>
+            </a:extLst>
+          </p:cNvPr>
+          <p:cNvPicPr>
+            <a:picLocks noChangeAspect="1"/>
+          </p:cNvPicPr>
+          <p:nvPr/>
+        </p:nvPicPr>
+        <p:blipFill>
+          <a:blip r:embed="rId2"/>
+          <a:stretch>
+            <a:fillRect/>
+          </a:stretch>
+        </p:blipFill>
+        <p:spPr>
+          <a:xfrm>
+            <a:off x="2692400" y="993936"/>
+            <a:ext cx="7126514" cy="3447729"/>
+          </a:xfrm>
+          <a:prstGeom prst="rect">
+            <a:avLst/>
+          </a:prstGeom>
+        </p:spPr>
+      </p:pic>
+      <p:sp>
+        <p:nvSpPr>
+          <p:cNvPr id="7" name="TextBox 6"/>
+          <p:cNvSpPr txBox="1"/>
+          <p:nvPr/>
+        </p:nvSpPr>
+        <p:spPr>
+          <a:xfrm>
+            <a:off x="217714" y="159657"/>
+            <a:ext cx="1253869" cy="584775"/>
+          </a:xfrm>
+          <a:prstGeom prst="rect">
+            <a:avLst/>
+          </a:prstGeom>
+          <a:noFill/>
+        </p:spPr>
+        <p:txBody>
+          <a:bodyPr wrap="none" rtlCol="0" anchor="t">
+            <a:spAutoFit/>
+          </a:bodyPr>
+          <a:lstStyle/>
+          <a:p>
+            <a:r>
+              <a:rPr lang="en-US" sz="3200" b="1" dirty="0">
+                <a:solidFill>
+                  <a:srgbClr val="0070C0"/>
+                </a:solidFill>
+                <a:latin typeface="Arial" panose="020B0604020202020204" pitchFamily="34" charset="0"/>
+                <a:cs typeface="Arial" panose="020B0604020202020204" pitchFamily="34" charset="0"/>
+              </a:rPr>
+              <a:t>Local</a:t>
+            </a:r>
+          </a:p>
+        </p:txBody>
+      </p:sp>
+      <p:sp>
+        <p:nvSpPr>
+          <p:cNvPr id="2" name="Rectangle 1">
+            <a:extLst>
+              <a:ext uri="{FF2B5EF4-FFF2-40B4-BE49-F238E27FC236}">
+                <a16:creationId xmlns:a16="http://schemas.microsoft.com/office/drawing/2014/main" id="{0700A66B-EB79-4AE9-8B2A-0E354BB25867}"/>
+              </a:ext>
+            </a:extLst>
+          </p:cNvPr>
+          <p:cNvSpPr/>
+          <p:nvPr/>
+        </p:nvSpPr>
+        <p:spPr>
+          <a:xfrm>
+            <a:off x="4306453" y="4845826"/>
+            <a:ext cx="4328887" cy="954107"/>
+          </a:xfrm>
+          <a:prstGeom prst="rect">
+            <a:avLst/>
+          </a:prstGeom>
+        </p:spPr>
+        <p:txBody>
+          <a:bodyPr wrap="square" anchor="t">
+            <a:spAutoFit/>
+          </a:bodyPr>
+          <a:lstStyle>
+            <a:defPPr>
+              <a:defRPr lang="en-US"/>
+            </a:defPPr>
+            <a:lvl1pPr marL="0" algn="l" defTabSz="914400" rtl="0" eaLnBrk="1" latinLnBrk="0" hangingPunct="1">
+              <a:defRPr sz="1800" kern="1200">
+                <a:solidFill>
+                  <a:schemeClr val="tx1"/>
+                </a:solidFill>
+                <a:latin typeface="+mn-lt"/>
+                <a:ea typeface="+mn-ea"/>
+                <a:cs typeface="+mn-cs"/>
+              </a:defRPr>
+            </a:lvl1pPr>
+            <a:lvl2pPr marL="457200" algn="l" defTabSz="914400" rtl="0" eaLnBrk="1" latinLnBrk="0" hangingPunct="1">
+              <a:defRPr sz="1800" kern="1200">
+                <a:solidFill>
+                  <a:schemeClr val="tx1"/>
+                </a:solidFill>
+                <a:latin typeface="+mn-lt"/>
+                <a:ea typeface="+mn-ea"/>
+                <a:cs typeface="+mn-cs"/>
+              </a:defRPr>
+            </a:lvl2pPr>
+            <a:lvl3pPr marL="914400" algn="l" defTabSz="914400" rtl="0" eaLnBrk="1" latinLnBrk="0" hangingPunct="1">
+              <a:defRPr sz="1800" kern="1200">
+                <a:solidFill>
+                  <a:schemeClr val="tx1"/>
+                </a:solidFill>
+                <a:latin typeface="+mn-lt"/>
+                <a:ea typeface="+mn-ea"/>
+                <a:cs typeface="+mn-cs"/>
+              </a:defRPr>
+            </a:lvl3pPr>
+            <a:lvl4pPr marL="1371600" algn="l" defTabSz="914400" rtl="0" eaLnBrk="1" latinLnBrk="0" hangingPunct="1">
+              <a:defRPr sz="1800" kern="1200">
+                <a:solidFill>
+                  <a:schemeClr val="tx1"/>
+                </a:solidFill>
+                <a:latin typeface="+mn-lt"/>
+                <a:ea typeface="+mn-ea"/>
+                <a:cs typeface="+mn-cs"/>
+              </a:defRPr>
+            </a:lvl4pPr>
+            <a:lvl5pPr marL="1828800" algn="l" defTabSz="914400" rtl="0" eaLnBrk="1" latinLnBrk="0" hangingPunct="1">
+              <a:defRPr sz="1800" kern="1200">
+                <a:solidFill>
+                  <a:schemeClr val="tx1"/>
+                </a:solidFill>
+                <a:latin typeface="+mn-lt"/>
+                <a:ea typeface="+mn-ea"/>
+                <a:cs typeface="+mn-cs"/>
+              </a:defRPr>
+            </a:lvl5pPr>
+            <a:lvl6pPr marL="2286000" algn="l" defTabSz="914400" rtl="0" eaLnBrk="1" latinLnBrk="0" hangingPunct="1">
+              <a:defRPr sz="1800" kern="1200">
+                <a:solidFill>
+                  <a:schemeClr val="tx1"/>
+                </a:solidFill>
+                <a:latin typeface="+mn-lt"/>
+                <a:ea typeface="+mn-ea"/>
+                <a:cs typeface="+mn-cs"/>
+              </a:defRPr>
+            </a:lvl6pPr>
+            <a:lvl7pPr marL="2743200" algn="l" defTabSz="914400" rtl="0" eaLnBrk="1" latinLnBrk="0" hangingPunct="1">
+              <a:defRPr sz="1800" kern="1200">
+                <a:solidFill>
+                  <a:schemeClr val="tx1"/>
+                </a:solidFill>
+                <a:latin typeface="+mn-lt"/>
+                <a:ea typeface="+mn-ea"/>
+                <a:cs typeface="+mn-cs"/>
+              </a:defRPr>
+            </a:lvl7pPr>
+            <a:lvl8pPr marL="3200400" algn="l" defTabSz="914400" rtl="0" eaLnBrk="1" latinLnBrk="0" hangingPunct="1">
+              <a:defRPr sz="1800" kern="1200">
+                <a:solidFill>
+                  <a:schemeClr val="tx1"/>
+                </a:solidFill>
+                <a:latin typeface="+mn-lt"/>
+                <a:ea typeface="+mn-ea"/>
+                <a:cs typeface="+mn-cs"/>
+              </a:defRPr>
+            </a:lvl8pPr>
+            <a:lvl9pPr marL="3657600" algn="l" defTabSz="914400" rtl="0" eaLnBrk="1" latinLnBrk="0" hangingPunct="1">
+              <a:defRPr sz="1800" kern="1200">
+                <a:solidFill>
+                  <a:schemeClr val="tx1"/>
+                </a:solidFill>
+                <a:latin typeface="+mn-lt"/>
+                <a:ea typeface="+mn-ea"/>
+                <a:cs typeface="+mn-cs"/>
+              </a:defRPr>
+            </a:lvl9pPr>
+          </a:lstStyle>
+          <a:p>
+            <a:r>
+              <a:rPr lang="vi-VN" sz="2800" dirty="0">
+                <a:latin typeface="Arial"/>
+                <a:cs typeface="Arial"/>
+              </a:rPr>
+              <a:t>Lưu </a:t>
+            </a:r>
+            <a:r>
+              <a:rPr lang="vi-VN" sz="2800" dirty="0" err="1">
+                <a:latin typeface="Arial"/>
+                <a:cs typeface="Arial"/>
+              </a:rPr>
+              <a:t>dữ</a:t>
+            </a:r>
+            <a:r>
+              <a:rPr lang="vi-VN" sz="2800" dirty="0">
+                <a:latin typeface="Arial"/>
+                <a:cs typeface="Arial"/>
+              </a:rPr>
+              <a:t> </a:t>
+            </a:r>
+            <a:r>
+              <a:rPr lang="vi-VN" sz="2800" dirty="0" err="1">
+                <a:latin typeface="Arial"/>
+                <a:cs typeface="Arial"/>
+              </a:rPr>
+              <a:t>liệu</a:t>
+            </a:r>
+            <a:r>
+              <a:rPr lang="vi-VN" sz="2800" dirty="0">
+                <a:latin typeface="Arial"/>
+                <a:cs typeface="Arial"/>
+              </a:rPr>
+              <a:t> </a:t>
+            </a:r>
+            <a:r>
+              <a:rPr lang="vi-VN" sz="2800" b="1" dirty="0" err="1">
+                <a:latin typeface="Arial"/>
+                <a:cs typeface="Arial"/>
+              </a:rPr>
+              <a:t>offline</a:t>
+            </a:r>
+            <a:r>
+              <a:rPr lang="vi-VN" sz="2800" b="1" dirty="0">
+                <a:latin typeface="Arial"/>
+                <a:cs typeface="Arial"/>
+              </a:rPr>
+              <a:t> </a:t>
+            </a:r>
+            <a:endParaRPr lang="en-US" dirty="0"/>
+          </a:p>
+          <a:p>
+            <a:r>
+              <a:rPr lang="vi-VN" sz="2800" dirty="0">
+                <a:latin typeface="Arial"/>
+                <a:cs typeface="Arial"/>
+              </a:rPr>
+              <a:t>trên </a:t>
+            </a:r>
+            <a:r>
+              <a:rPr lang="vi-VN" sz="2800" dirty="0" err="1">
+                <a:latin typeface="Arial"/>
+                <a:cs typeface="Arial"/>
+              </a:rPr>
+              <a:t>máy</a:t>
+            </a:r>
+            <a:r>
+              <a:rPr lang="vi-VN" sz="2800" dirty="0">
+                <a:latin typeface="Arial"/>
+                <a:cs typeface="Arial"/>
+              </a:rPr>
+              <a:t> </a:t>
+            </a:r>
+            <a:r>
+              <a:rPr lang="vi-VN" sz="2800" dirty="0" err="1">
+                <a:latin typeface="Arial"/>
+                <a:cs typeface="Arial"/>
+              </a:rPr>
+              <a:t>người</a:t>
+            </a:r>
+            <a:r>
+              <a:rPr lang="vi-VN" sz="2800" dirty="0">
+                <a:latin typeface="Arial"/>
+                <a:cs typeface="Arial"/>
+              </a:rPr>
+              <a:t> </a:t>
+            </a:r>
+            <a:r>
+              <a:rPr lang="vi-VN" sz="2800" dirty="0" err="1">
+                <a:latin typeface="Arial"/>
+                <a:cs typeface="Arial"/>
+              </a:rPr>
+              <a:t>dùng</a:t>
+            </a:r>
+            <a:endParaRPr lang="vi-VN" err="1"/>
+          </a:p>
+        </p:txBody>
+      </p:sp>
+      <p:pic>
+        <p:nvPicPr>
+          <p:cNvPr id="3" name="Picture 4" descr="A drawing of a cartoon character&#10;&#10;Description generated with high confidence">
+            <a:extLst>
+              <a:ext uri="{FF2B5EF4-FFF2-40B4-BE49-F238E27FC236}">
+                <a16:creationId xmlns:a16="http://schemas.microsoft.com/office/drawing/2014/main" id="{31CC9A83-3205-4A2B-A680-55B4D6C45596}"/>
+              </a:ext>
+            </a:extLst>
+          </p:cNvPr>
+          <p:cNvPicPr>
+            <a:picLocks noChangeAspect="1"/>
+          </p:cNvPicPr>
+          <p:nvPr/>
+        </p:nvPicPr>
+        <p:blipFill>
+          <a:blip r:embed="rId3"/>
+          <a:stretch>
+            <a:fillRect/>
+          </a:stretch>
+        </p:blipFill>
+        <p:spPr>
+          <a:xfrm>
+            <a:off x="2840182" y="1105765"/>
+            <a:ext cx="6664035" cy="3233304"/>
+          </a:xfrm>
+          <a:prstGeom prst="rect">
+            <a:avLst/>
+          </a:prstGeom>
+        </p:spPr>
+      </p:pic>
+    </p:spTree>
+    <p:extLst>
+      <p:ext uri="{BB962C8B-B14F-4D97-AF65-F5344CB8AC3E}">
+        <p14:creationId xmlns:p14="http://schemas.microsoft.com/office/powerpoint/2010/main" val="357836759"/>
+      </p:ext>
+    </p:extLst>
+  </p:cSld>
+  <p:clrMapOvr>
+    <a:masterClrMapping/>
+  </p:clrMapOvr>
+  <mc:AlternateContent xmlns:mc="http://schemas.openxmlformats.org/markup-compatibility/2006" xmlns:p14="http://schemas.microsoft.com/office/powerpoint/2010/main">
+    <mc:Choice Requires="p14">
+      <p:transition spd="med" p14:dur="700">
+        <p:fade/>
+      </p:transition>
+    </mc:Choice>
+    <mc:Fallback xmlns="">
+      <p:transition spd="med">
+        <p:fade/>
+      </p:transition>
+    </mc:Fallback>
+  </mc:AlternateContent>
+</p:sld>
+</file>
+
+<file path=ppt/slides/slide7.xml><?xml version="1.0" encoding="utf-8"?>
+<p:sld xmlns:a="http://schemas.openxmlformats.org/drawingml/2006/main" xmlns:r="http://schemas.openxmlformats.org/officeDocument/2006/relationships" xmlns:p="http://schemas.openxmlformats.org/presentationml/2006/main">
+  <p:cSld>
+    <p:spTree>
+      <p:nvGrpSpPr>
+        <p:cNvPr id="1" name=""/>
+        <p:cNvGrpSpPr/>
+        <p:nvPr/>
+      </p:nvGrpSpPr>
+      <p:grpSpPr>
+        <a:xfrm>
+          <a:off x="0" y="0"/>
+          <a:ext cx="0" cy="0"/>
+          <a:chOff x="0" y="0"/>
+          <a:chExt cx="0" cy="0"/>
+        </a:xfrm>
+      </p:grpSpPr>
       <p:sp>
         <p:nvSpPr>
           <p:cNvPr id="7" name="TextBox 6"/>
@@ -4592,7 +4982,7 @@
           <p:cNvPr id="2" name="Rectangle 1">
             <a:extLst>
               <a:ext uri="{FF2B5EF4-FFF2-40B4-BE49-F238E27FC236}">
-                <a16:creationId xmlns:a16="http://schemas.microsoft.com/office/drawing/2014/main" xmlns="" id="{8AC715B8-C2C3-4783-9655-2DCD2FD69CE1}"/>
+                <a16:creationId xmlns:a16="http://schemas.microsoft.com/office/drawing/2014/main" id="{8AC715B8-C2C3-4783-9655-2DCD2FD69CE1}"/>
               </a:ext>
             </a:extLst>
           </p:cNvPr>
@@ -4782,7 +5172,7 @@
           <p:cNvPr id="4" name="Picture 4" descr="A close up of a logo&#10;&#10;Description generated with high confidence">
             <a:extLst>
               <a:ext uri="{FF2B5EF4-FFF2-40B4-BE49-F238E27FC236}">
-                <a16:creationId xmlns:a16="http://schemas.microsoft.com/office/drawing/2014/main" xmlns="" id="{EF45089F-278C-4A47-BA62-6C23D99B6D59}"/>
+                <a16:creationId xmlns:a16="http://schemas.microsoft.com/office/drawing/2014/main" id="{EF45089F-278C-4A47-BA62-6C23D99B6D59}"/>
               </a:ext>
             </a:extLst>
           </p:cNvPr>
@@ -4824,6 +5214,658 @@
       </p:transition>
     </mc:Choice>
     <mc:Fallback xmlns="">
+      <p:transition spd="med">
+        <p:fade/>
+      </p:transition>
+    </mc:Fallback>
+  </mc:AlternateContent>
+</p:sld>
+</file>
+
+<file path=ppt/slides/slide8.xml><?xml version="1.0" encoding="utf-8"?>
+<p:sld xmlns:a="http://schemas.openxmlformats.org/drawingml/2006/main" xmlns:r="http://schemas.openxmlformats.org/officeDocument/2006/relationships" xmlns:p="http://schemas.openxmlformats.org/presentationml/2006/main">
+  <p:cSld>
+    <p:spTree>
+      <p:nvGrpSpPr>
+        <p:cNvPr id="1" name=""/>
+        <p:cNvGrpSpPr/>
+        <p:nvPr/>
+      </p:nvGrpSpPr>
+      <p:grpSpPr>
+        <a:xfrm>
+          <a:off x="0" y="0"/>
+          <a:ext cx="0" cy="0"/>
+          <a:chOff x="0" y="0"/>
+          <a:chExt cx="0" cy="0"/>
+        </a:xfrm>
+      </p:grpSpPr>
+      <p:sp>
+        <p:nvSpPr>
+          <p:cNvPr id="7" name="TextBox 6"/>
+          <p:cNvSpPr txBox="1"/>
+          <p:nvPr/>
+        </p:nvSpPr>
+        <p:spPr>
+          <a:xfrm>
+            <a:off x="217714" y="159657"/>
+            <a:ext cx="1802096" cy="584775"/>
+          </a:xfrm>
+          <a:prstGeom prst="rect">
+            <a:avLst/>
+          </a:prstGeom>
+          <a:noFill/>
+        </p:spPr>
+        <p:txBody>
+          <a:bodyPr wrap="none" rtlCol="0" anchor="t">
+            <a:spAutoFit/>
+          </a:bodyPr>
+          <a:lstStyle/>
+          <a:p>
+            <a:r>
+              <a:rPr lang="en-US" sz="3200" b="1" dirty="0">
+                <a:solidFill>
+                  <a:srgbClr val="0070C0"/>
+                </a:solidFill>
+                <a:latin typeface="Arial"/>
+                <a:cs typeface="Arial"/>
+              </a:rPr>
+              <a:t>Network</a:t>
+            </a:r>
+            <a:endParaRPr lang="en-US" sz="3200" b="1" dirty="0">
+              <a:solidFill>
+                <a:srgbClr val="0070C0"/>
+              </a:solidFill>
+              <a:latin typeface="Arial" panose="020B0604020202020204" pitchFamily="34" charset="0"/>
+              <a:cs typeface="Arial" panose="020B0604020202020204" pitchFamily="34" charset="0"/>
+            </a:endParaRPr>
+          </a:p>
+        </p:txBody>
+      </p:sp>
+      <p:pic>
+        <p:nvPicPr>
+          <p:cNvPr id="3" name="Picture 4">
+            <a:extLst>
+              <a:ext uri="{FF2B5EF4-FFF2-40B4-BE49-F238E27FC236}">
+                <a16:creationId xmlns:a16="http://schemas.microsoft.com/office/drawing/2014/main" id="{EE43A4D9-A145-49B8-BDBE-014689E71F94}"/>
+              </a:ext>
+            </a:extLst>
+          </p:cNvPr>
+          <p:cNvPicPr>
+            <a:picLocks noChangeAspect="1"/>
+          </p:cNvPicPr>
+          <p:nvPr/>
+        </p:nvPicPr>
+        <p:blipFill>
+          <a:blip r:embed="rId2"/>
+          <a:stretch>
+            <a:fillRect/>
+          </a:stretch>
+        </p:blipFill>
+        <p:spPr>
+          <a:xfrm>
+            <a:off x="2022764" y="742676"/>
+            <a:ext cx="7938654" cy="2781847"/>
+          </a:xfrm>
+          <a:prstGeom prst="rect">
+            <a:avLst/>
+          </a:prstGeom>
+        </p:spPr>
+      </p:pic>
+      <p:sp>
+        <p:nvSpPr>
+          <p:cNvPr id="6" name="Rectangle 5">
+            <a:extLst>
+              <a:ext uri="{FF2B5EF4-FFF2-40B4-BE49-F238E27FC236}">
+                <a16:creationId xmlns:a16="http://schemas.microsoft.com/office/drawing/2014/main" id="{1C21AC12-AC0C-488E-8643-0DF573AD6C5E}"/>
+              </a:ext>
+            </a:extLst>
+          </p:cNvPr>
+          <p:cNvSpPr/>
+          <p:nvPr/>
+        </p:nvSpPr>
+        <p:spPr>
+          <a:xfrm>
+            <a:off x="1660235" y="3820588"/>
+            <a:ext cx="9358086" cy="2369880"/>
+          </a:xfrm>
+          <a:prstGeom prst="rect">
+            <a:avLst/>
+          </a:prstGeom>
+        </p:spPr>
+        <p:txBody>
+          <a:bodyPr wrap="square" anchor="t">
+            <a:spAutoFit/>
+          </a:bodyPr>
+          <a:lstStyle>
+            <a:defPPr>
+              <a:defRPr lang="en-US"/>
+            </a:defPPr>
+            <a:lvl1pPr marL="0" algn="l" defTabSz="914400" rtl="0" eaLnBrk="1" latinLnBrk="0" hangingPunct="1">
+              <a:defRPr sz="1800" kern="1200">
+                <a:solidFill>
+                  <a:schemeClr val="tx1"/>
+                </a:solidFill>
+                <a:latin typeface="+mn-lt"/>
+                <a:ea typeface="+mn-ea"/>
+                <a:cs typeface="+mn-cs"/>
+              </a:defRPr>
+            </a:lvl1pPr>
+            <a:lvl2pPr marL="457200" algn="l" defTabSz="914400" rtl="0" eaLnBrk="1" latinLnBrk="0" hangingPunct="1">
+              <a:defRPr sz="1800" kern="1200">
+                <a:solidFill>
+                  <a:schemeClr val="tx1"/>
+                </a:solidFill>
+                <a:latin typeface="+mn-lt"/>
+                <a:ea typeface="+mn-ea"/>
+                <a:cs typeface="+mn-cs"/>
+              </a:defRPr>
+            </a:lvl2pPr>
+            <a:lvl3pPr marL="914400" algn="l" defTabSz="914400" rtl="0" eaLnBrk="1" latinLnBrk="0" hangingPunct="1">
+              <a:defRPr sz="1800" kern="1200">
+                <a:solidFill>
+                  <a:schemeClr val="tx1"/>
+                </a:solidFill>
+                <a:latin typeface="+mn-lt"/>
+                <a:ea typeface="+mn-ea"/>
+                <a:cs typeface="+mn-cs"/>
+              </a:defRPr>
+            </a:lvl3pPr>
+            <a:lvl4pPr marL="1371600" algn="l" defTabSz="914400" rtl="0" eaLnBrk="1" latinLnBrk="0" hangingPunct="1">
+              <a:defRPr sz="1800" kern="1200">
+                <a:solidFill>
+                  <a:schemeClr val="tx1"/>
+                </a:solidFill>
+                <a:latin typeface="+mn-lt"/>
+                <a:ea typeface="+mn-ea"/>
+                <a:cs typeface="+mn-cs"/>
+              </a:defRPr>
+            </a:lvl4pPr>
+            <a:lvl5pPr marL="1828800" algn="l" defTabSz="914400" rtl="0" eaLnBrk="1" latinLnBrk="0" hangingPunct="1">
+              <a:defRPr sz="1800" kern="1200">
+                <a:solidFill>
+                  <a:schemeClr val="tx1"/>
+                </a:solidFill>
+                <a:latin typeface="+mn-lt"/>
+                <a:ea typeface="+mn-ea"/>
+                <a:cs typeface="+mn-cs"/>
+              </a:defRPr>
+            </a:lvl5pPr>
+            <a:lvl6pPr marL="2286000" algn="l" defTabSz="914400" rtl="0" eaLnBrk="1" latinLnBrk="0" hangingPunct="1">
+              <a:defRPr sz="1800" kern="1200">
+                <a:solidFill>
+                  <a:schemeClr val="tx1"/>
+                </a:solidFill>
+                <a:latin typeface="+mn-lt"/>
+                <a:ea typeface="+mn-ea"/>
+                <a:cs typeface="+mn-cs"/>
+              </a:defRPr>
+            </a:lvl6pPr>
+            <a:lvl7pPr marL="2743200" algn="l" defTabSz="914400" rtl="0" eaLnBrk="1" latinLnBrk="0" hangingPunct="1">
+              <a:defRPr sz="1800" kern="1200">
+                <a:solidFill>
+                  <a:schemeClr val="tx1"/>
+                </a:solidFill>
+                <a:latin typeface="+mn-lt"/>
+                <a:ea typeface="+mn-ea"/>
+                <a:cs typeface="+mn-cs"/>
+              </a:defRPr>
+            </a:lvl7pPr>
+            <a:lvl8pPr marL="3200400" algn="l" defTabSz="914400" rtl="0" eaLnBrk="1" latinLnBrk="0" hangingPunct="1">
+              <a:defRPr sz="1800" kern="1200">
+                <a:solidFill>
+                  <a:schemeClr val="tx1"/>
+                </a:solidFill>
+                <a:latin typeface="+mn-lt"/>
+                <a:ea typeface="+mn-ea"/>
+                <a:cs typeface="+mn-cs"/>
+              </a:defRPr>
+            </a:lvl8pPr>
+            <a:lvl9pPr marL="3657600" algn="l" defTabSz="914400" rtl="0" eaLnBrk="1" latinLnBrk="0" hangingPunct="1">
+              <a:defRPr sz="1800" kern="1200">
+                <a:solidFill>
+                  <a:schemeClr val="tx1"/>
+                </a:solidFill>
+                <a:latin typeface="+mn-lt"/>
+                <a:ea typeface="+mn-ea"/>
+                <a:cs typeface="+mn-cs"/>
+              </a:defRPr>
+            </a:lvl9pPr>
+          </a:lstStyle>
+          <a:p>
+            <a:r>
+              <a:rPr lang="vi-VN" sz="3600" b="1">
+                <a:latin typeface="Arial"/>
+                <a:cs typeface="Arial"/>
+              </a:rPr>
+              <a:t>Firebase</a:t>
+            </a:r>
+            <a:endParaRPr lang="vi-VN" sz="3600" b="1" dirty="0">
+              <a:latin typeface="Arial"/>
+              <a:cs typeface="Arial"/>
+            </a:endParaRPr>
+          </a:p>
+          <a:p>
+            <a:endParaRPr lang="vi-VN" sz="2800" b="1" dirty="0">
+              <a:latin typeface="Arial"/>
+              <a:cs typeface="Arial"/>
+            </a:endParaRPr>
+          </a:p>
+          <a:p>
+            <a:pPr marL="457200" indent="-457200">
+              <a:buFont typeface="Arial"/>
+              <a:buChar char="•"/>
+            </a:pPr>
+            <a:r>
+              <a:rPr lang="vi-VN" sz="2800">
+                <a:latin typeface="Arial"/>
+                <a:cs typeface="Arial"/>
+              </a:rPr>
+              <a:t>Đi đến một node với </a:t>
+            </a:r>
+            <a:r>
+              <a:rPr lang="vi-VN" sz="2800" b="1" i="1">
+                <a:latin typeface="Arial"/>
+                <a:cs typeface="Arial"/>
+              </a:rPr>
+              <a:t>getReference()</a:t>
+            </a:r>
+            <a:r>
+              <a:rPr lang="vi-VN" sz="2800">
+                <a:latin typeface="Arial"/>
+                <a:cs typeface="Arial"/>
+              </a:rPr>
+              <a:t> và </a:t>
+            </a:r>
+            <a:r>
+              <a:rPr lang="vi-VN" sz="2800" b="1" i="1">
+                <a:latin typeface="Arial"/>
+                <a:cs typeface="Arial"/>
+              </a:rPr>
+              <a:t>child()</a:t>
+            </a:r>
+            <a:endParaRPr lang="vi-VN" sz="2800" b="1" i="1" dirty="0">
+              <a:latin typeface="Arial"/>
+              <a:cs typeface="Arial"/>
+            </a:endParaRPr>
+          </a:p>
+          <a:p>
+            <a:pPr marL="457200" indent="-457200">
+              <a:buFont typeface="Arial"/>
+              <a:buChar char="•"/>
+            </a:pPr>
+            <a:r>
+              <a:rPr lang="vi-VN" sz="2800">
+                <a:latin typeface="Arial"/>
+                <a:cs typeface="Arial"/>
+              </a:rPr>
+              <a:t>Lưu dữ liệu với </a:t>
+            </a:r>
+            <a:r>
+              <a:rPr lang="vi-VN" sz="2800" b="1" i="1">
+                <a:latin typeface="Arial"/>
+                <a:cs typeface="Arial"/>
+              </a:rPr>
+              <a:t>setValue()</a:t>
+            </a:r>
+            <a:endParaRPr lang="vi-VN" sz="2800" b="1" i="1" dirty="0">
+              <a:latin typeface="Arial"/>
+              <a:cs typeface="Arial" panose="020B0604020202020204" pitchFamily="34" charset="0"/>
+            </a:endParaRPr>
+          </a:p>
+          <a:p>
+            <a:pPr marL="457200" indent="-457200">
+              <a:buFont typeface="Arial"/>
+              <a:buChar char="•"/>
+            </a:pPr>
+            <a:endParaRPr lang="vi-VN" sz="2800" dirty="0">
+              <a:latin typeface="Arial"/>
+              <a:ea typeface="+mn-lt"/>
+              <a:cs typeface="Arial"/>
+            </a:endParaRPr>
+          </a:p>
+        </p:txBody>
+      </p:sp>
+    </p:spTree>
+    <p:extLst>
+      <p:ext uri="{BB962C8B-B14F-4D97-AF65-F5344CB8AC3E}">
+        <p14:creationId xmlns:p14="http://schemas.microsoft.com/office/powerpoint/2010/main" val="3626177969"/>
+      </p:ext>
+    </p:extLst>
+  </p:cSld>
+  <p:clrMapOvr>
+    <a:masterClrMapping/>
+  </p:clrMapOvr>
+  <mc:AlternateContent xmlns:mc="http://schemas.openxmlformats.org/markup-compatibility/2006" xmlns:p14="http://schemas.microsoft.com/office/powerpoint/2010/main">
+    <mc:Choice Requires="p14">
+      <p:transition spd="med" p14:dur="700">
+        <p:fade/>
+      </p:transition>
+    </mc:Choice>
+    <mc:Fallback xmlns="">
+      <p:transition spd="med">
+        <p:fade/>
+      </p:transition>
+    </mc:Fallback>
+  </mc:AlternateContent>
+</p:sld>
+</file>
+
+<file path=ppt/slides/slide9.xml><?xml version="1.0" encoding="utf-8"?>
+<p:sld xmlns:a="http://schemas.openxmlformats.org/drawingml/2006/main" xmlns:r="http://schemas.openxmlformats.org/officeDocument/2006/relationships" xmlns:p="http://schemas.openxmlformats.org/presentationml/2006/main">
+  <p:cSld>
+    <p:spTree>
+      <p:nvGrpSpPr>
+        <p:cNvPr id="1" name=""/>
+        <p:cNvGrpSpPr/>
+        <p:nvPr/>
+      </p:nvGrpSpPr>
+      <p:grpSpPr>
+        <a:xfrm>
+          <a:off x="0" y="0"/>
+          <a:ext cx="0" cy="0"/>
+          <a:chOff x="0" y="0"/>
+          <a:chExt cx="0" cy="0"/>
+        </a:xfrm>
+      </p:grpSpPr>
+      <p:sp>
+        <p:nvSpPr>
+          <p:cNvPr id="7" name="TextBox 6"/>
+          <p:cNvSpPr txBox="1"/>
+          <p:nvPr/>
+        </p:nvSpPr>
+        <p:spPr>
+          <a:xfrm>
+            <a:off x="217714" y="159657"/>
+            <a:ext cx="1802096" cy="584775"/>
+          </a:xfrm>
+          <a:prstGeom prst="rect">
+            <a:avLst/>
+          </a:prstGeom>
+          <a:noFill/>
+        </p:spPr>
+        <p:txBody>
+          <a:bodyPr wrap="none" rtlCol="0" anchor="t">
+            <a:spAutoFit/>
+          </a:bodyPr>
+          <a:lstStyle/>
+          <a:p>
+            <a:r>
+              <a:rPr lang="en-US" sz="3200" b="1" dirty="0">
+                <a:solidFill>
+                  <a:srgbClr val="0070C0"/>
+                </a:solidFill>
+                <a:latin typeface="Arial"/>
+                <a:cs typeface="Arial"/>
+              </a:rPr>
+              <a:t>Network</a:t>
+            </a:r>
+            <a:endParaRPr lang="en-US" sz="3200" b="1" dirty="0">
+              <a:solidFill>
+                <a:srgbClr val="0070C0"/>
+              </a:solidFill>
+              <a:latin typeface="Arial" panose="020B0604020202020204" pitchFamily="34" charset="0"/>
+              <a:cs typeface="Arial" panose="020B0604020202020204" pitchFamily="34" charset="0"/>
+            </a:endParaRPr>
+          </a:p>
+        </p:txBody>
+      </p:sp>
+      <p:pic>
+        <p:nvPicPr>
+          <p:cNvPr id="3" name="Picture 4">
+            <a:extLst>
+              <a:ext uri="{FF2B5EF4-FFF2-40B4-BE49-F238E27FC236}">
+                <a16:creationId xmlns:a16="http://schemas.microsoft.com/office/drawing/2014/main" id="{EE43A4D9-A145-49B8-BDBE-014689E71F94}"/>
+              </a:ext>
+            </a:extLst>
+          </p:cNvPr>
+          <p:cNvPicPr>
+            <a:picLocks noChangeAspect="1"/>
+          </p:cNvPicPr>
+          <p:nvPr/>
+        </p:nvPicPr>
+        <p:blipFill>
+          <a:blip r:embed="rId2"/>
+          <a:stretch>
+            <a:fillRect/>
+          </a:stretch>
+        </p:blipFill>
+        <p:spPr>
+          <a:xfrm>
+            <a:off x="2022764" y="742676"/>
+            <a:ext cx="7938654" cy="2781847"/>
+          </a:xfrm>
+          <a:prstGeom prst="rect">
+            <a:avLst/>
+          </a:prstGeom>
+        </p:spPr>
+      </p:pic>
+      <p:sp>
+        <p:nvSpPr>
+          <p:cNvPr id="6" name="Rectangle 5">
+            <a:extLst>
+              <a:ext uri="{FF2B5EF4-FFF2-40B4-BE49-F238E27FC236}">
+                <a16:creationId xmlns:a16="http://schemas.microsoft.com/office/drawing/2014/main" id="{1C21AC12-AC0C-488E-8643-0DF573AD6C5E}"/>
+              </a:ext>
+            </a:extLst>
+          </p:cNvPr>
+          <p:cNvSpPr/>
+          <p:nvPr/>
+        </p:nvSpPr>
+        <p:spPr>
+          <a:xfrm>
+            <a:off x="1660235" y="3820588"/>
+            <a:ext cx="9358086" cy="3231654"/>
+          </a:xfrm>
+          <a:prstGeom prst="rect">
+            <a:avLst/>
+          </a:prstGeom>
+        </p:spPr>
+        <p:txBody>
+          <a:bodyPr wrap="square" anchor="t">
+            <a:spAutoFit/>
+          </a:bodyPr>
+          <a:lstStyle>
+            <a:defPPr>
+              <a:defRPr lang="en-US"/>
+            </a:defPPr>
+            <a:lvl1pPr marL="0" algn="l" defTabSz="914400" rtl="0" eaLnBrk="1" latinLnBrk="0" hangingPunct="1">
+              <a:defRPr sz="1800" kern="1200">
+                <a:solidFill>
+                  <a:schemeClr val="tx1"/>
+                </a:solidFill>
+                <a:latin typeface="+mn-lt"/>
+                <a:ea typeface="+mn-ea"/>
+                <a:cs typeface="+mn-cs"/>
+              </a:defRPr>
+            </a:lvl1pPr>
+            <a:lvl2pPr marL="457200" algn="l" defTabSz="914400" rtl="0" eaLnBrk="1" latinLnBrk="0" hangingPunct="1">
+              <a:defRPr sz="1800" kern="1200">
+                <a:solidFill>
+                  <a:schemeClr val="tx1"/>
+                </a:solidFill>
+                <a:latin typeface="+mn-lt"/>
+                <a:ea typeface="+mn-ea"/>
+                <a:cs typeface="+mn-cs"/>
+              </a:defRPr>
+            </a:lvl2pPr>
+            <a:lvl3pPr marL="914400" algn="l" defTabSz="914400" rtl="0" eaLnBrk="1" latinLnBrk="0" hangingPunct="1">
+              <a:defRPr sz="1800" kern="1200">
+                <a:solidFill>
+                  <a:schemeClr val="tx1"/>
+                </a:solidFill>
+                <a:latin typeface="+mn-lt"/>
+                <a:ea typeface="+mn-ea"/>
+                <a:cs typeface="+mn-cs"/>
+              </a:defRPr>
+            </a:lvl3pPr>
+            <a:lvl4pPr marL="1371600" algn="l" defTabSz="914400" rtl="0" eaLnBrk="1" latinLnBrk="0" hangingPunct="1">
+              <a:defRPr sz="1800" kern="1200">
+                <a:solidFill>
+                  <a:schemeClr val="tx1"/>
+                </a:solidFill>
+                <a:latin typeface="+mn-lt"/>
+                <a:ea typeface="+mn-ea"/>
+                <a:cs typeface="+mn-cs"/>
+              </a:defRPr>
+            </a:lvl4pPr>
+            <a:lvl5pPr marL="1828800" algn="l" defTabSz="914400" rtl="0" eaLnBrk="1" latinLnBrk="0" hangingPunct="1">
+              <a:defRPr sz="1800" kern="1200">
+                <a:solidFill>
+                  <a:schemeClr val="tx1"/>
+                </a:solidFill>
+                <a:latin typeface="+mn-lt"/>
+                <a:ea typeface="+mn-ea"/>
+                <a:cs typeface="+mn-cs"/>
+              </a:defRPr>
+            </a:lvl5pPr>
+            <a:lvl6pPr marL="2286000" algn="l" defTabSz="914400" rtl="0" eaLnBrk="1" latinLnBrk="0" hangingPunct="1">
+              <a:defRPr sz="1800" kern="1200">
+                <a:solidFill>
+                  <a:schemeClr val="tx1"/>
+                </a:solidFill>
+                <a:latin typeface="+mn-lt"/>
+                <a:ea typeface="+mn-ea"/>
+                <a:cs typeface="+mn-cs"/>
+              </a:defRPr>
+            </a:lvl6pPr>
+            <a:lvl7pPr marL="2743200" algn="l" defTabSz="914400" rtl="0" eaLnBrk="1" latinLnBrk="0" hangingPunct="1">
+              <a:defRPr sz="1800" kern="1200">
+                <a:solidFill>
+                  <a:schemeClr val="tx1"/>
+                </a:solidFill>
+                <a:latin typeface="+mn-lt"/>
+                <a:ea typeface="+mn-ea"/>
+                <a:cs typeface="+mn-cs"/>
+              </a:defRPr>
+            </a:lvl7pPr>
+            <a:lvl8pPr marL="3200400" algn="l" defTabSz="914400" rtl="0" eaLnBrk="1" latinLnBrk="0" hangingPunct="1">
+              <a:defRPr sz="1800" kern="1200">
+                <a:solidFill>
+                  <a:schemeClr val="tx1"/>
+                </a:solidFill>
+                <a:latin typeface="+mn-lt"/>
+                <a:ea typeface="+mn-ea"/>
+                <a:cs typeface="+mn-cs"/>
+              </a:defRPr>
+            </a:lvl8pPr>
+            <a:lvl9pPr marL="3657600" algn="l" defTabSz="914400" rtl="0" eaLnBrk="1" latinLnBrk="0" hangingPunct="1">
+              <a:defRPr sz="1800" kern="1200">
+                <a:solidFill>
+                  <a:schemeClr val="tx1"/>
+                </a:solidFill>
+                <a:latin typeface="+mn-lt"/>
+                <a:ea typeface="+mn-ea"/>
+                <a:cs typeface="+mn-cs"/>
+              </a:defRPr>
+            </a:lvl9pPr>
+          </a:lstStyle>
+          <a:p>
+            <a:r>
+              <a:rPr lang="vi-VN" sz="3600" b="1">
+                <a:latin typeface="Arial"/>
+                <a:cs typeface="Arial"/>
+              </a:rPr>
+              <a:t>Firebase</a:t>
+            </a:r>
+            <a:endParaRPr lang="vi-VN" sz="3600" b="1" dirty="0">
+              <a:latin typeface="Arial"/>
+              <a:cs typeface="Arial"/>
+            </a:endParaRPr>
+          </a:p>
+          <a:p>
+            <a:endParaRPr lang="vi-VN" sz="2800" b="1" dirty="0">
+              <a:latin typeface="Arial"/>
+              <a:cs typeface="Arial"/>
+            </a:endParaRPr>
+          </a:p>
+          <a:p>
+            <a:pPr marL="457200" indent="-457200">
+              <a:buFont typeface="Arial"/>
+              <a:buChar char="•"/>
+            </a:pPr>
+            <a:r>
+              <a:rPr lang="vi-VN" sz="2800">
+                <a:latin typeface="Arial"/>
+                <a:cs typeface="Arial"/>
+              </a:rPr>
+              <a:t>Lấy dữ liệu lên bằng 1 trong 3 loại lắng nghe:</a:t>
+            </a:r>
+            <a:endParaRPr lang="vi-VN" sz="2800" b="1" i="1" dirty="0">
+              <a:latin typeface="Arial"/>
+              <a:cs typeface="Arial"/>
+            </a:endParaRPr>
+          </a:p>
+          <a:p>
+            <a:pPr marL="914400" lvl="1" indent="-457200">
+              <a:buFont typeface="Courier New"/>
+              <a:buChar char="o"/>
+            </a:pPr>
+            <a:r>
+              <a:rPr lang="vi-VN" sz="2800" b="1" i="1">
+                <a:latin typeface="Arial"/>
+                <a:ea typeface="+mn-lt"/>
+                <a:cs typeface="Arial"/>
+              </a:rPr>
+              <a:t>addValueEventListener()</a:t>
+            </a:r>
+          </a:p>
+          <a:p>
+            <a:pPr marL="914400" lvl="1" indent="-457200">
+              <a:buFont typeface="Courier New"/>
+              <a:buChar char="o"/>
+            </a:pPr>
+            <a:r>
+              <a:rPr lang="vi-VN" sz="2800" b="1" i="1">
+                <a:latin typeface="Arial"/>
+                <a:ea typeface="+mn-lt"/>
+                <a:cs typeface="Arial"/>
+              </a:rPr>
+              <a:t>addListenerForSingleValueEvent()</a:t>
+            </a:r>
+          </a:p>
+          <a:p>
+            <a:pPr marL="914400" lvl="1" indent="-457200">
+              <a:buFont typeface="Courier New"/>
+              <a:buChar char="o"/>
+            </a:pPr>
+            <a:r>
+              <a:rPr lang="vi-VN" sz="2800" b="1" i="1">
+                <a:latin typeface="Arial"/>
+                <a:ea typeface="+mn-lt"/>
+                <a:cs typeface="Arial"/>
+              </a:rPr>
+              <a:t>addChildEventListener()</a:t>
+            </a:r>
+          </a:p>
+          <a:p>
+            <a:pPr marL="914400" lvl="1" indent="-457200">
+              <a:buFont typeface="Arial"/>
+              <a:buChar char="•"/>
+            </a:pPr>
+            <a:endParaRPr lang="vi-VN" sz="2800" dirty="0">
+              <a:ea typeface="+mn-lt"/>
+              <a:cs typeface="+mn-lt"/>
+            </a:endParaRPr>
+          </a:p>
+        </p:txBody>
+      </p:sp>
+    </p:spTree>
+    <p:extLst>
+      <p:ext uri="{BB962C8B-B14F-4D97-AF65-F5344CB8AC3E}">
+        <p14:creationId xmlns:p14="http://schemas.microsoft.com/office/powerpoint/2010/main" val="4239748686"/>
+      </p:ext>
+    </p:extLst>
+  </p:cSld>
+  <p:clrMapOvr>
+    <a:masterClrMapping/>
+  </p:clrMapOvr>
+  <mc:AlternateContent xmlns:mc="http://schemas.openxmlformats.org/markup-compatibility/2006">
+    <mc:Choice xmlns:p14="http://schemas.microsoft.com/office/powerpoint/2010/main" Requires="p14">
+      <p:transition spd="med" p14:dur="700">
+        <p:fade/>
+      </p:transition>
+    </mc:Choice>
+    <mc:Fallback>
       <p:transition spd="med">
         <p:fade/>
       </p:transition>
